--- a/pearson_edu_presentation/Pearson_edu_presentation.pptx
+++ b/pearson_edu_presentation/Pearson_edu_presentation.pptx
@@ -5,18 +5,21 @@
     <p:sldMasterId id="2147483648" r:id="rId1"/>
   </p:sldMasterIdLst>
   <p:notesMasterIdLst>
-    <p:notesMasterId r:id="rId11"/>
+    <p:notesMasterId r:id="rId14"/>
   </p:notesMasterIdLst>
   <p:sldIdLst>
     <p:sldId id="256" r:id="rId2"/>
-    <p:sldId id="257" r:id="rId3"/>
-    <p:sldId id="260" r:id="rId4"/>
-    <p:sldId id="265" r:id="rId5"/>
-    <p:sldId id="263" r:id="rId6"/>
-    <p:sldId id="264" r:id="rId7"/>
-    <p:sldId id="266" r:id="rId8"/>
-    <p:sldId id="267" r:id="rId9"/>
-    <p:sldId id="258" r:id="rId10"/>
+    <p:sldId id="271" r:id="rId3"/>
+    <p:sldId id="257" r:id="rId4"/>
+    <p:sldId id="269" r:id="rId5"/>
+    <p:sldId id="260" r:id="rId6"/>
+    <p:sldId id="265" r:id="rId7"/>
+    <p:sldId id="270" r:id="rId8"/>
+    <p:sldId id="263" r:id="rId9"/>
+    <p:sldId id="264" r:id="rId10"/>
+    <p:sldId id="266" r:id="rId11"/>
+    <p:sldId id="272" r:id="rId12"/>
+    <p:sldId id="258" r:id="rId13"/>
   </p:sldIdLst>
   <p:sldSz cx="12192000" cy="6858000"/>
   <p:notesSz cx="6858000" cy="9144000"/>
@@ -626,7 +629,7 @@
           <a:p>
             <a:fld id="{513C6D55-176F-43A3-BF44-93976FFCC241}" type="slidenum">
               <a:rPr lang="en-GB" smtClean="0"/>
-              <a:t>4</a:t>
+              <a:t>6</a:t>
             </a:fld>
             <a:endParaRPr lang="en-GB"/>
           </a:p>
@@ -3903,40 +3906,57 @@
           <a:p>
             <a:r>
               <a:rPr lang="en-GB" dirty="0"/>
-              <a:t>Pearson Education Tech </a:t>
+              <a:t>Technical Data Analysis Presentation</a:t>
+            </a:r>
+          </a:p>
+        </p:txBody>
+      </p:sp>
+      <p:sp>
+        <p:nvSpPr>
+          <p:cNvPr id="3" name="Subtitle 2">
+            <a:extLst>
+              <a:ext uri="{FF2B5EF4-FFF2-40B4-BE49-F238E27FC236}">
+                <a16:creationId xmlns:a16="http://schemas.microsoft.com/office/drawing/2014/main" id="{AECA0581-360A-C826-CDBD-4061CDCA20C6}"/>
+              </a:ext>
+            </a:extLst>
+          </p:cNvPr>
+          <p:cNvSpPr>
+            <a:spLocks noGrp="1"/>
+          </p:cNvSpPr>
+          <p:nvPr>
+            <p:ph type="subTitle" idx="1"/>
+          </p:nvPr>
+        </p:nvSpPr>
+        <p:spPr>
+          <a:xfrm>
+            <a:off x="1524000" y="3729359"/>
+            <a:ext cx="9144000" cy="1655762"/>
+          </a:xfrm>
+        </p:spPr>
+        <p:txBody>
+          <a:bodyPr/>
+          <a:lstStyle/>
+          <a:p>
+            <a:r>
+              <a:rPr lang="en-GB" dirty="0"/>
+              <a:t>Pearson Education</a:t>
+            </a:r>
+          </a:p>
+          <a:p>
+            <a:endParaRPr lang="en-GB" dirty="0"/>
+          </a:p>
+          <a:p>
+            <a:r>
+              <a:rPr lang="en-GB" dirty="0"/>
+              <a:t>By Kang </a:t>
             </a:r>
             <a:r>
               <a:rPr lang="en-GB" dirty="0" err="1"/>
-              <a:t>Presetation</a:t>
-            </a:r>
-            <a:endParaRPr lang="en-GB" dirty="0"/>
-          </a:p>
-        </p:txBody>
-      </p:sp>
-      <p:sp>
-        <p:nvSpPr>
-          <p:cNvPr id="3" name="Subtitle 2">
-            <a:extLst>
-              <a:ext uri="{FF2B5EF4-FFF2-40B4-BE49-F238E27FC236}">
-                <a16:creationId xmlns:a16="http://schemas.microsoft.com/office/drawing/2014/main" id="{AECA0581-360A-C826-CDBD-4061CDCA20C6}"/>
-              </a:ext>
-            </a:extLst>
-          </p:cNvPr>
-          <p:cNvSpPr>
-            <a:spLocks noGrp="1"/>
-          </p:cNvSpPr>
-          <p:nvPr>
-            <p:ph type="subTitle" idx="1"/>
-          </p:nvPr>
-        </p:nvSpPr>
-        <p:spPr/>
-        <p:txBody>
-          <a:bodyPr/>
-          <a:lstStyle/>
-          <a:p>
+              <a:t>Hin</a:t>
+            </a:r>
             <a:r>
               <a:rPr lang="en-GB" dirty="0"/>
-              <a:t>Data n</a:t>
+              <a:t> Lee</a:t>
             </a:r>
           </a:p>
         </p:txBody>
@@ -3945,6 +3965,299 @@
     <p:extLst>
       <p:ext uri="{BB962C8B-B14F-4D97-AF65-F5344CB8AC3E}">
         <p14:creationId xmlns:p14="http://schemas.microsoft.com/office/powerpoint/2010/main" val="788344417"/>
+      </p:ext>
+    </p:extLst>
+  </p:cSld>
+  <p:clrMapOvr>
+    <a:masterClrMapping/>
+  </p:clrMapOvr>
+</p:sld>
+</file>
+
+<file path=ppt/slides/slide10.xml><?xml version="1.0" encoding="utf-8"?>
+<p:sld xmlns:a="http://schemas.openxmlformats.org/drawingml/2006/main" xmlns:r="http://schemas.openxmlformats.org/officeDocument/2006/relationships" xmlns:p="http://schemas.openxmlformats.org/presentationml/2006/main">
+  <p:cSld>
+    <p:spTree>
+      <p:nvGrpSpPr>
+        <p:cNvPr id="1" name=""/>
+        <p:cNvGrpSpPr/>
+        <p:nvPr/>
+      </p:nvGrpSpPr>
+      <p:grpSpPr>
+        <a:xfrm>
+          <a:off x="0" y="0"/>
+          <a:ext cx="0" cy="0"/>
+          <a:chOff x="0" y="0"/>
+          <a:chExt cx="0" cy="0"/>
+        </a:xfrm>
+      </p:grpSpPr>
+      <p:sp>
+        <p:nvSpPr>
+          <p:cNvPr id="2" name="Title 1">
+            <a:extLst>
+              <a:ext uri="{FF2B5EF4-FFF2-40B4-BE49-F238E27FC236}">
+                <a16:creationId xmlns:a16="http://schemas.microsoft.com/office/drawing/2014/main" id="{45B05908-9B1C-4897-B27E-F23BFAE760F3}"/>
+              </a:ext>
+            </a:extLst>
+          </p:cNvPr>
+          <p:cNvSpPr>
+            <a:spLocks noGrp="1"/>
+          </p:cNvSpPr>
+          <p:nvPr>
+            <p:ph type="title"/>
+          </p:nvPr>
+        </p:nvSpPr>
+        <p:spPr>
+          <a:xfrm>
+            <a:off x="838200" y="2766218"/>
+            <a:ext cx="10515600" cy="1325563"/>
+          </a:xfrm>
+        </p:spPr>
+        <p:txBody>
+          <a:bodyPr/>
+          <a:lstStyle/>
+          <a:p>
+            <a:pPr algn="ctr"/>
+            <a:r>
+              <a:rPr lang="en-GB" dirty="0"/>
+              <a:t>03: Any Issues Encountered?</a:t>
+            </a:r>
+          </a:p>
+        </p:txBody>
+      </p:sp>
+    </p:spTree>
+    <p:extLst>
+      <p:ext uri="{BB962C8B-B14F-4D97-AF65-F5344CB8AC3E}">
+        <p14:creationId xmlns:p14="http://schemas.microsoft.com/office/powerpoint/2010/main" val="3716261586"/>
+      </p:ext>
+    </p:extLst>
+  </p:cSld>
+  <p:clrMapOvr>
+    <a:masterClrMapping/>
+  </p:clrMapOvr>
+</p:sld>
+</file>
+
+<file path=ppt/slides/slide11.xml><?xml version="1.0" encoding="utf-8"?>
+<p:sld xmlns:a="http://schemas.openxmlformats.org/drawingml/2006/main" xmlns:r="http://schemas.openxmlformats.org/officeDocument/2006/relationships" xmlns:p="http://schemas.openxmlformats.org/presentationml/2006/main">
+  <p:cSld>
+    <p:spTree>
+      <p:nvGrpSpPr>
+        <p:cNvPr id="1" name=""/>
+        <p:cNvGrpSpPr/>
+        <p:nvPr/>
+      </p:nvGrpSpPr>
+      <p:grpSpPr>
+        <a:xfrm>
+          <a:off x="0" y="0"/>
+          <a:ext cx="0" cy="0"/>
+          <a:chOff x="0" y="0"/>
+          <a:chExt cx="0" cy="0"/>
+        </a:xfrm>
+      </p:grpSpPr>
+      <p:sp>
+        <p:nvSpPr>
+          <p:cNvPr id="2" name="Title 1">
+            <a:extLst>
+              <a:ext uri="{FF2B5EF4-FFF2-40B4-BE49-F238E27FC236}">
+                <a16:creationId xmlns:a16="http://schemas.microsoft.com/office/drawing/2014/main" id="{45B05908-9B1C-4897-B27E-F23BFAE760F3}"/>
+              </a:ext>
+            </a:extLst>
+          </p:cNvPr>
+          <p:cNvSpPr>
+            <a:spLocks noGrp="1"/>
+          </p:cNvSpPr>
+          <p:nvPr>
+            <p:ph type="title"/>
+          </p:nvPr>
+        </p:nvSpPr>
+        <p:spPr>
+          <a:xfrm>
+            <a:off x="838200" y="2766218"/>
+            <a:ext cx="10515600" cy="1325563"/>
+          </a:xfrm>
+        </p:spPr>
+        <p:txBody>
+          <a:bodyPr/>
+          <a:lstStyle/>
+          <a:p>
+            <a:pPr algn="ctr"/>
+            <a:r>
+              <a:rPr lang="en-GB" dirty="0"/>
+              <a:t>The End</a:t>
+            </a:r>
+          </a:p>
+        </p:txBody>
+      </p:sp>
+    </p:spTree>
+    <p:extLst>
+      <p:ext uri="{BB962C8B-B14F-4D97-AF65-F5344CB8AC3E}">
+        <p14:creationId xmlns:p14="http://schemas.microsoft.com/office/powerpoint/2010/main" val="916567809"/>
+      </p:ext>
+    </p:extLst>
+  </p:cSld>
+  <p:clrMapOvr>
+    <a:masterClrMapping/>
+  </p:clrMapOvr>
+</p:sld>
+</file>
+
+<file path=ppt/slides/slide12.xml><?xml version="1.0" encoding="utf-8"?>
+<p:sld xmlns:a="http://schemas.openxmlformats.org/drawingml/2006/main" xmlns:r="http://schemas.openxmlformats.org/officeDocument/2006/relationships" xmlns:p="http://schemas.openxmlformats.org/presentationml/2006/main">
+  <p:cSld>
+    <p:spTree>
+      <p:nvGrpSpPr>
+        <p:cNvPr id="1" name=""/>
+        <p:cNvGrpSpPr/>
+        <p:nvPr/>
+      </p:nvGrpSpPr>
+      <p:grpSpPr>
+        <a:xfrm>
+          <a:off x="0" y="0"/>
+          <a:ext cx="0" cy="0"/>
+          <a:chOff x="0" y="0"/>
+          <a:chExt cx="0" cy="0"/>
+        </a:xfrm>
+      </p:grpSpPr>
+      <p:sp>
+        <p:nvSpPr>
+          <p:cNvPr id="2" name="Title 1">
+            <a:extLst>
+              <a:ext uri="{FF2B5EF4-FFF2-40B4-BE49-F238E27FC236}">
+                <a16:creationId xmlns:a16="http://schemas.microsoft.com/office/drawing/2014/main" id="{C7090B86-8F38-B822-10EC-550FE26025F9}"/>
+              </a:ext>
+            </a:extLst>
+          </p:cNvPr>
+          <p:cNvSpPr>
+            <a:spLocks noGrp="1"/>
+          </p:cNvSpPr>
+          <p:nvPr>
+            <p:ph type="title"/>
+          </p:nvPr>
+        </p:nvSpPr>
+        <p:spPr/>
+        <p:txBody>
+          <a:bodyPr/>
+          <a:lstStyle/>
+          <a:p>
+            <a:r>
+              <a:rPr lang="en-GB" dirty="0"/>
+              <a:t>Appendix: Static Columns</a:t>
+            </a:r>
+          </a:p>
+        </p:txBody>
+      </p:sp>
+      <p:sp>
+        <p:nvSpPr>
+          <p:cNvPr id="3" name="Content Placeholder 2">
+            <a:extLst>
+              <a:ext uri="{FF2B5EF4-FFF2-40B4-BE49-F238E27FC236}">
+                <a16:creationId xmlns:a16="http://schemas.microsoft.com/office/drawing/2014/main" id="{9BDF2EE8-9A6D-B012-7BAA-F942A7B57C4D}"/>
+              </a:ext>
+            </a:extLst>
+          </p:cNvPr>
+          <p:cNvSpPr>
+            <a:spLocks noGrp="1"/>
+          </p:cNvSpPr>
+          <p:nvPr>
+            <p:ph idx="1"/>
+          </p:nvPr>
+        </p:nvSpPr>
+        <p:spPr/>
+        <p:txBody>
+          <a:bodyPr>
+            <a:normAutofit fontScale="92500" lnSpcReduction="10000"/>
+          </a:bodyPr>
+          <a:lstStyle/>
+          <a:p>
+            <a:r>
+              <a:rPr lang="en-GB" dirty="0"/>
+              <a:t>Pearson Qualification: BTEC Tech Awards</a:t>
+            </a:r>
+          </a:p>
+          <a:p>
+            <a:r>
+              <a:rPr lang="en-GB" dirty="0"/>
+              <a:t>Series: 2020-06-01</a:t>
+            </a:r>
+          </a:p>
+          <a:p>
+            <a:r>
+              <a:rPr lang="en-GB" dirty="0" err="1"/>
+              <a:t>ucas_ref</a:t>
+            </a:r>
+            <a:r>
+              <a:rPr lang="en-GB" dirty="0"/>
+              <a:t>: N/A</a:t>
+            </a:r>
+          </a:p>
+          <a:p>
+            <a:r>
+              <a:rPr lang="en-GB" dirty="0" err="1"/>
+              <a:t>cert_no</a:t>
+            </a:r>
+            <a:r>
+              <a:rPr lang="en-GB" dirty="0"/>
+              <a:t>: N/A</a:t>
+            </a:r>
+          </a:p>
+          <a:p>
+            <a:r>
+              <a:rPr lang="en-GB" dirty="0" err="1"/>
+              <a:t>award_code</a:t>
+            </a:r>
+            <a:r>
+              <a:rPr lang="en-GB" dirty="0"/>
+              <a:t>: Y6</a:t>
+            </a:r>
+          </a:p>
+          <a:p>
+            <a:r>
+              <a:rPr lang="en-GB" dirty="0" err="1"/>
+              <a:t>award_code_desciprtion</a:t>
+            </a:r>
+            <a:r>
+              <a:rPr lang="en-GB" dirty="0"/>
+              <a:t>: PEARSON BTEC LEVEL 1/LEVEL 2 TECH AWARD (120 GLH)</a:t>
+            </a:r>
+          </a:p>
+          <a:p>
+            <a:r>
+              <a:rPr lang="en-GB" dirty="0" err="1"/>
+              <a:t>in_regraded_files</a:t>
+            </a:r>
+            <a:r>
+              <a:rPr lang="en-GB" dirty="0"/>
+              <a:t>: 0</a:t>
+            </a:r>
+          </a:p>
+          <a:p>
+            <a:r>
+              <a:rPr lang="en-GB" dirty="0" err="1"/>
+              <a:t>external_assessment_grade</a:t>
+            </a:r>
+            <a:r>
+              <a:rPr lang="en-GB" dirty="0"/>
+              <a:t>: N/A</a:t>
+            </a:r>
+          </a:p>
+          <a:p>
+            <a:r>
+              <a:rPr lang="en-GB" dirty="0"/>
+              <a:t>status: Unknown </a:t>
+            </a:r>
+            <a:r>
+              <a:rPr lang="en-GB" dirty="0" err="1"/>
+              <a:t>anomalie</a:t>
+            </a:r>
+            <a:endParaRPr lang="en-GB" dirty="0"/>
+          </a:p>
+        </p:txBody>
+      </p:sp>
+    </p:spTree>
+    <p:extLst>
+      <p:ext uri="{BB962C8B-B14F-4D97-AF65-F5344CB8AC3E}">
+        <p14:creationId xmlns:p14="http://schemas.microsoft.com/office/powerpoint/2010/main" val="1979669570"/>
       </p:ext>
     </p:extLst>
   </p:cSld>
@@ -3976,15 +4289,15 @@
           <p:cNvPr id="2" name="Title 1">
             <a:extLst>
               <a:ext uri="{FF2B5EF4-FFF2-40B4-BE49-F238E27FC236}">
-                <a16:creationId xmlns:a16="http://schemas.microsoft.com/office/drawing/2014/main" id="{63B1594F-9D92-D2FF-04A2-37ACF2A4C94A}"/>
-              </a:ext>
-            </a:extLst>
-          </p:cNvPr>
-          <p:cNvSpPr>
-            <a:spLocks noGrp="1"/>
-          </p:cNvSpPr>
-          <p:nvPr>
-            <p:ph type="title"/>
+                <a16:creationId xmlns:a16="http://schemas.microsoft.com/office/drawing/2014/main" id="{82B5A48F-8AAC-E9F4-592A-D24702082EDB}"/>
+              </a:ext>
+            </a:extLst>
+          </p:cNvPr>
+          <p:cNvSpPr>
+            <a:spLocks noGrp="1"/>
+          </p:cNvSpPr>
+          <p:nvPr>
+            <p:ph type="ctrTitle"/>
           </p:nvPr>
         </p:nvSpPr>
         <p:spPr/>
@@ -3994,80 +4307,40 @@
           <a:p>
             <a:r>
               <a:rPr lang="en-GB" dirty="0"/>
-              <a:t>01: Introduction</a:t>
-            </a:r>
-          </a:p>
-        </p:txBody>
-      </p:sp>
-      <p:sp>
-        <p:nvSpPr>
-          <p:cNvPr id="3" name="Content Placeholder 2">
-            <a:extLst>
-              <a:ext uri="{FF2B5EF4-FFF2-40B4-BE49-F238E27FC236}">
-                <a16:creationId xmlns:a16="http://schemas.microsoft.com/office/drawing/2014/main" id="{784D015C-8456-FD07-0CE7-44040AD5B41B}"/>
-              </a:ext>
-            </a:extLst>
-          </p:cNvPr>
-          <p:cNvSpPr>
-            <a:spLocks noGrp="1"/>
-          </p:cNvSpPr>
-          <p:nvPr>
-            <p:ph idx="1"/>
-          </p:nvPr>
-        </p:nvSpPr>
-        <p:spPr>
-          <a:xfrm>
-            <a:off x="838199" y="1825625"/>
-            <a:ext cx="10515600" cy="4351338"/>
-          </a:xfrm>
-        </p:spPr>
-        <p:txBody>
-          <a:bodyPr/>
-          <a:lstStyle/>
-          <a:p>
-            <a:r>
-              <a:rPr lang="en-GB" dirty="0"/>
-              <a:t>Dataset Format: .xlsx (Excel)</a:t>
-            </a:r>
-          </a:p>
-          <a:p>
-            <a:r>
-              <a:rPr lang="en-GB" dirty="0"/>
-              <a:t>Software Used for Data Analysis: R / R Studio</a:t>
-            </a:r>
-          </a:p>
-          <a:p>
-            <a:r>
-              <a:rPr lang="en-GB" dirty="0"/>
-              <a:t>Control Version: </a:t>
-            </a:r>
-            <a:r>
-              <a:rPr lang="en-GB" dirty="0" err="1"/>
-              <a:t>Github</a:t>
-            </a:r>
-            <a:endParaRPr lang="en-GB" dirty="0"/>
-          </a:p>
-          <a:p>
-            <a:r>
-              <a:rPr lang="en-GB" dirty="0"/>
-              <a:t>Presentation: Power point</a:t>
-            </a:r>
-          </a:p>
-          <a:p>
-            <a:endParaRPr lang="en-GB" dirty="0"/>
-          </a:p>
-          <a:p>
-            <a:endParaRPr lang="en-GB" dirty="0"/>
-          </a:p>
-          <a:p>
-            <a:endParaRPr lang="en-GB" dirty="0"/>
+              <a:t>00: Introduction</a:t>
+            </a:r>
+          </a:p>
+        </p:txBody>
+      </p:sp>
+      <p:sp>
+        <p:nvSpPr>
+          <p:cNvPr id="3" name="Subtitle 2">
+            <a:extLst>
+              <a:ext uri="{FF2B5EF4-FFF2-40B4-BE49-F238E27FC236}">
+                <a16:creationId xmlns:a16="http://schemas.microsoft.com/office/drawing/2014/main" id="{0EA9A3AC-DCE4-2372-8C6B-4A157CB7F09E}"/>
+              </a:ext>
+            </a:extLst>
+          </p:cNvPr>
+          <p:cNvSpPr>
+            <a:spLocks noGrp="1"/>
+          </p:cNvSpPr>
+          <p:nvPr>
+            <p:ph type="subTitle" idx="1"/>
+          </p:nvPr>
+        </p:nvSpPr>
+        <p:spPr/>
+        <p:txBody>
+          <a:bodyPr/>
+          <a:lstStyle/>
+          <a:p>
+            <a:endParaRPr lang="en-GB"/>
           </a:p>
         </p:txBody>
       </p:sp>
     </p:spTree>
     <p:extLst>
       <p:ext uri="{BB962C8B-B14F-4D97-AF65-F5344CB8AC3E}">
-        <p14:creationId xmlns:p14="http://schemas.microsoft.com/office/powerpoint/2010/main" val="1990099311"/>
+        <p14:creationId xmlns:p14="http://schemas.microsoft.com/office/powerpoint/2010/main" val="3086490155"/>
       </p:ext>
     </p:extLst>
   </p:cSld>
@@ -4117,7 +4390,7 @@
           <a:p>
             <a:r>
               <a:rPr lang="en-GB" dirty="0"/>
-              <a:t>02: Dataset: BTEC Tech Awards (June 2020)</a:t>
+              <a:t>00: Introduction</a:t>
             </a:r>
           </a:p>
         </p:txBody>
@@ -4145,6 +4418,424 @@
           </a:xfrm>
         </p:spPr>
         <p:txBody>
+          <a:bodyPr>
+            <a:normAutofit fontScale="85000" lnSpcReduction="20000"/>
+          </a:bodyPr>
+          <a:lstStyle/>
+          <a:p>
+            <a:r>
+              <a:rPr lang="en-GB" dirty="0"/>
+              <a:t>Dataset Format: .xlsx (Excel)</a:t>
+            </a:r>
+          </a:p>
+          <a:p>
+            <a:r>
+              <a:rPr lang="en-GB" dirty="0"/>
+              <a:t>Software Used for Data Analysis: R / R Studio</a:t>
+            </a:r>
+          </a:p>
+          <a:p>
+            <a:r>
+              <a:rPr lang="en-GB" dirty="0"/>
+              <a:t>Control Version: </a:t>
+            </a:r>
+            <a:r>
+              <a:rPr lang="en-GB" dirty="0" err="1"/>
+              <a:t>Github</a:t>
+            </a:r>
+            <a:r>
+              <a:rPr lang="en-GB" dirty="0"/>
+              <a:t> </a:t>
+            </a:r>
+          </a:p>
+          <a:p>
+            <a:r>
+              <a:rPr lang="en-GB" dirty="0"/>
+              <a:t>Presentation: </a:t>
+            </a:r>
+            <a:r>
+              <a:rPr lang="en-GB" dirty="0" err="1"/>
+              <a:t>Powerpoint</a:t>
+            </a:r>
+            <a:endParaRPr lang="en-GB" dirty="0"/>
+          </a:p>
+          <a:p>
+            <a:endParaRPr lang="en-GB" dirty="0"/>
+          </a:p>
+          <a:p>
+            <a:r>
+              <a:rPr lang="en-GB" dirty="0"/>
+              <a:t>Presentation is separated into 2 parts:</a:t>
+            </a:r>
+          </a:p>
+          <a:p>
+            <a:r>
+              <a:rPr lang="en-GB" dirty="0"/>
+              <a:t>01: The Dataset</a:t>
+            </a:r>
+          </a:p>
+          <a:p>
+            <a:r>
+              <a:rPr lang="en-GB" dirty="0"/>
+              <a:t>02: Data Analysis</a:t>
+            </a:r>
+          </a:p>
+          <a:p>
+            <a:r>
+              <a:rPr lang="en-GB" dirty="0"/>
+              <a:t>03: Issues Encountered</a:t>
+            </a:r>
+          </a:p>
+          <a:p>
+            <a:pPr marL="0" indent="0">
+              <a:buNone/>
+            </a:pPr>
+            <a:endParaRPr lang="en-GB" dirty="0"/>
+          </a:p>
+          <a:p>
+            <a:pPr marL="0" indent="0">
+              <a:buNone/>
+            </a:pPr>
+            <a:r>
+              <a:rPr lang="en-GB" sz="1900" dirty="0"/>
+              <a:t>Script can be viewed from: </a:t>
+            </a:r>
+            <a:r>
+              <a:rPr lang="en-GB" sz="1900" dirty="0">
+                <a:hlinkClick r:id="rId2"/>
+              </a:rPr>
+              <a:t>https://github.com/kanghinlee/interview_prep/tree/main/pearson_edu_presentation</a:t>
+            </a:r>
+            <a:endParaRPr lang="en-GB" sz="1900" dirty="0"/>
+          </a:p>
+          <a:p>
+            <a:endParaRPr lang="en-GB" sz="2100" dirty="0"/>
+          </a:p>
+          <a:p>
+            <a:endParaRPr lang="en-GB" sz="2100" dirty="0"/>
+          </a:p>
+          <a:p>
+            <a:endParaRPr lang="en-GB" dirty="0"/>
+          </a:p>
+          <a:p>
+            <a:endParaRPr lang="en-GB" dirty="0"/>
+          </a:p>
+        </p:txBody>
+      </p:sp>
+      <p:pic>
+        <p:nvPicPr>
+          <p:cNvPr id="7" name="Picture 6">
+            <a:extLst>
+              <a:ext uri="{FF2B5EF4-FFF2-40B4-BE49-F238E27FC236}">
+                <a16:creationId xmlns:a16="http://schemas.microsoft.com/office/drawing/2014/main" id="{698A4FFA-6D22-E75A-EC44-9D87C65FA0B3}"/>
+              </a:ext>
+            </a:extLst>
+          </p:cNvPr>
+          <p:cNvPicPr>
+            <a:picLocks noChangeAspect="1"/>
+          </p:cNvPicPr>
+          <p:nvPr/>
+        </p:nvPicPr>
+        <p:blipFill>
+          <a:blip r:embed="rId3"/>
+          <a:stretch>
+            <a:fillRect/>
+          </a:stretch>
+        </p:blipFill>
+        <p:spPr>
+          <a:xfrm>
+            <a:off x="8541262" y="2210278"/>
+            <a:ext cx="509475" cy="509475"/>
+          </a:xfrm>
+          <a:prstGeom prst="rect">
+            <a:avLst/>
+          </a:prstGeom>
+        </p:spPr>
+      </p:pic>
+      <p:pic>
+        <p:nvPicPr>
+          <p:cNvPr id="13" name="Picture 12">
+            <a:extLst>
+              <a:ext uri="{FF2B5EF4-FFF2-40B4-BE49-F238E27FC236}">
+                <a16:creationId xmlns:a16="http://schemas.microsoft.com/office/drawing/2014/main" id="{858E44DA-BF63-AEE0-9670-3259672BB75C}"/>
+              </a:ext>
+            </a:extLst>
+          </p:cNvPr>
+          <p:cNvPicPr>
+            <a:picLocks noChangeAspect="1"/>
+          </p:cNvPicPr>
+          <p:nvPr/>
+        </p:nvPicPr>
+        <p:blipFill>
+          <a:blip r:embed="rId4"/>
+          <a:stretch>
+            <a:fillRect/>
+          </a:stretch>
+        </p:blipFill>
+        <p:spPr>
+          <a:xfrm>
+            <a:off x="8951677" y="1588220"/>
+            <a:ext cx="955096" cy="659982"/>
+          </a:xfrm>
+          <a:prstGeom prst="rect">
+            <a:avLst/>
+          </a:prstGeom>
+        </p:spPr>
+      </p:pic>
+      <p:pic>
+        <p:nvPicPr>
+          <p:cNvPr id="5" name="Picture 4">
+            <a:extLst>
+              <a:ext uri="{FF2B5EF4-FFF2-40B4-BE49-F238E27FC236}">
+                <a16:creationId xmlns:a16="http://schemas.microsoft.com/office/drawing/2014/main" id="{1EDA1391-733C-5F93-0FB6-2861FD802302}"/>
+              </a:ext>
+            </a:extLst>
+          </p:cNvPr>
+          <p:cNvPicPr>
+            <a:picLocks noChangeAspect="1"/>
+          </p:cNvPicPr>
+          <p:nvPr/>
+        </p:nvPicPr>
+        <p:blipFill>
+          <a:blip r:embed="rId5"/>
+          <a:stretch>
+            <a:fillRect/>
+          </a:stretch>
+        </p:blipFill>
+        <p:spPr>
+          <a:xfrm>
+            <a:off x="8571037" y="1588220"/>
+            <a:ext cx="487121" cy="487121"/>
+          </a:xfrm>
+          <a:prstGeom prst="rect">
+            <a:avLst/>
+          </a:prstGeom>
+        </p:spPr>
+      </p:pic>
+      <p:pic>
+        <p:nvPicPr>
+          <p:cNvPr id="17" name="Picture 16">
+            <a:extLst>
+              <a:ext uri="{FF2B5EF4-FFF2-40B4-BE49-F238E27FC236}">
+                <a16:creationId xmlns:a16="http://schemas.microsoft.com/office/drawing/2014/main" id="{03BF900B-D19E-588A-9973-9B4B44CD1FBB}"/>
+              </a:ext>
+            </a:extLst>
+          </p:cNvPr>
+          <p:cNvPicPr>
+            <a:picLocks noChangeAspect="1"/>
+          </p:cNvPicPr>
+          <p:nvPr/>
+        </p:nvPicPr>
+        <p:blipFill>
+          <a:blip r:embed="rId6"/>
+          <a:stretch>
+            <a:fillRect/>
+          </a:stretch>
+        </p:blipFill>
+        <p:spPr>
+          <a:xfrm>
+            <a:off x="8535806" y="2746482"/>
+            <a:ext cx="992479" cy="321139"/>
+          </a:xfrm>
+          <a:prstGeom prst="rect">
+            <a:avLst/>
+          </a:prstGeom>
+        </p:spPr>
+      </p:pic>
+      <p:pic>
+        <p:nvPicPr>
+          <p:cNvPr id="19" name="Picture 18">
+            <a:extLst>
+              <a:ext uri="{FF2B5EF4-FFF2-40B4-BE49-F238E27FC236}">
+                <a16:creationId xmlns:a16="http://schemas.microsoft.com/office/drawing/2014/main" id="{A951F0FE-6AAD-43DD-C0F4-B0A028C7B682}"/>
+              </a:ext>
+            </a:extLst>
+          </p:cNvPr>
+          <p:cNvPicPr>
+            <a:picLocks noChangeAspect="1"/>
+          </p:cNvPicPr>
+          <p:nvPr/>
+        </p:nvPicPr>
+        <p:blipFill>
+          <a:blip r:embed="rId7"/>
+          <a:stretch>
+            <a:fillRect/>
+          </a:stretch>
+        </p:blipFill>
+        <p:spPr>
+          <a:xfrm>
+            <a:off x="8571038" y="3155087"/>
+            <a:ext cx="633572" cy="547826"/>
+          </a:xfrm>
+          <a:prstGeom prst="rect">
+            <a:avLst/>
+          </a:prstGeom>
+        </p:spPr>
+      </p:pic>
+    </p:spTree>
+    <p:extLst>
+      <p:ext uri="{BB962C8B-B14F-4D97-AF65-F5344CB8AC3E}">
+        <p14:creationId xmlns:p14="http://schemas.microsoft.com/office/powerpoint/2010/main" val="1990099311"/>
+      </p:ext>
+    </p:extLst>
+  </p:cSld>
+  <p:clrMapOvr>
+    <a:masterClrMapping/>
+  </p:clrMapOvr>
+</p:sld>
+</file>
+
+<file path=ppt/slides/slide4.xml><?xml version="1.0" encoding="utf-8"?>
+<p:sld xmlns:a="http://schemas.openxmlformats.org/drawingml/2006/main" xmlns:r="http://schemas.openxmlformats.org/officeDocument/2006/relationships" xmlns:p="http://schemas.openxmlformats.org/presentationml/2006/main">
+  <p:cSld>
+    <p:spTree>
+      <p:nvGrpSpPr>
+        <p:cNvPr id="1" name=""/>
+        <p:cNvGrpSpPr/>
+        <p:nvPr/>
+      </p:nvGrpSpPr>
+      <p:grpSpPr>
+        <a:xfrm>
+          <a:off x="0" y="0"/>
+          <a:ext cx="0" cy="0"/>
+          <a:chOff x="0" y="0"/>
+          <a:chExt cx="0" cy="0"/>
+        </a:xfrm>
+      </p:grpSpPr>
+      <p:sp>
+        <p:nvSpPr>
+          <p:cNvPr id="2" name="Title 1">
+            <a:extLst>
+              <a:ext uri="{FF2B5EF4-FFF2-40B4-BE49-F238E27FC236}">
+                <a16:creationId xmlns:a16="http://schemas.microsoft.com/office/drawing/2014/main" id="{82B5A48F-8AAC-E9F4-592A-D24702082EDB}"/>
+              </a:ext>
+            </a:extLst>
+          </p:cNvPr>
+          <p:cNvSpPr>
+            <a:spLocks noGrp="1"/>
+          </p:cNvSpPr>
+          <p:nvPr>
+            <p:ph type="ctrTitle"/>
+          </p:nvPr>
+        </p:nvSpPr>
+        <p:spPr/>
+        <p:txBody>
+          <a:bodyPr/>
+          <a:lstStyle/>
+          <a:p>
+            <a:r>
+              <a:rPr lang="en-GB" dirty="0"/>
+              <a:t>01: The Dataset</a:t>
+            </a:r>
+          </a:p>
+        </p:txBody>
+      </p:sp>
+      <p:sp>
+        <p:nvSpPr>
+          <p:cNvPr id="3" name="Subtitle 2">
+            <a:extLst>
+              <a:ext uri="{FF2B5EF4-FFF2-40B4-BE49-F238E27FC236}">
+                <a16:creationId xmlns:a16="http://schemas.microsoft.com/office/drawing/2014/main" id="{0EA9A3AC-DCE4-2372-8C6B-4A157CB7F09E}"/>
+              </a:ext>
+            </a:extLst>
+          </p:cNvPr>
+          <p:cNvSpPr>
+            <a:spLocks noGrp="1"/>
+          </p:cNvSpPr>
+          <p:nvPr>
+            <p:ph type="subTitle" idx="1"/>
+          </p:nvPr>
+        </p:nvSpPr>
+        <p:spPr/>
+        <p:txBody>
+          <a:bodyPr/>
+          <a:lstStyle/>
+          <a:p>
+            <a:endParaRPr lang="en-GB"/>
+          </a:p>
+        </p:txBody>
+      </p:sp>
+    </p:spTree>
+    <p:extLst>
+      <p:ext uri="{BB962C8B-B14F-4D97-AF65-F5344CB8AC3E}">
+        <p14:creationId xmlns:p14="http://schemas.microsoft.com/office/powerpoint/2010/main" val="3645414299"/>
+      </p:ext>
+    </p:extLst>
+  </p:cSld>
+  <p:clrMapOvr>
+    <a:masterClrMapping/>
+  </p:clrMapOvr>
+</p:sld>
+</file>
+
+<file path=ppt/slides/slide5.xml><?xml version="1.0" encoding="utf-8"?>
+<p:sld xmlns:a="http://schemas.openxmlformats.org/drawingml/2006/main" xmlns:r="http://schemas.openxmlformats.org/officeDocument/2006/relationships" xmlns:p="http://schemas.openxmlformats.org/presentationml/2006/main">
+  <p:cSld>
+    <p:spTree>
+      <p:nvGrpSpPr>
+        <p:cNvPr id="1" name=""/>
+        <p:cNvGrpSpPr/>
+        <p:nvPr/>
+      </p:nvGrpSpPr>
+      <p:grpSpPr>
+        <a:xfrm>
+          <a:off x="0" y="0"/>
+          <a:ext cx="0" cy="0"/>
+          <a:chOff x="0" y="0"/>
+          <a:chExt cx="0" cy="0"/>
+        </a:xfrm>
+      </p:grpSpPr>
+      <p:sp>
+        <p:nvSpPr>
+          <p:cNvPr id="2" name="Title 1">
+            <a:extLst>
+              <a:ext uri="{FF2B5EF4-FFF2-40B4-BE49-F238E27FC236}">
+                <a16:creationId xmlns:a16="http://schemas.microsoft.com/office/drawing/2014/main" id="{63B1594F-9D92-D2FF-04A2-37ACF2A4C94A}"/>
+              </a:ext>
+            </a:extLst>
+          </p:cNvPr>
+          <p:cNvSpPr>
+            <a:spLocks noGrp="1"/>
+          </p:cNvSpPr>
+          <p:nvPr>
+            <p:ph type="title"/>
+          </p:nvPr>
+        </p:nvSpPr>
+        <p:spPr/>
+        <p:txBody>
+          <a:bodyPr/>
+          <a:lstStyle/>
+          <a:p>
+            <a:r>
+              <a:rPr lang="en-GB" dirty="0"/>
+              <a:t>01: Dataset: BTEC Tech Awards (June 2020)</a:t>
+            </a:r>
+          </a:p>
+        </p:txBody>
+      </p:sp>
+      <p:sp>
+        <p:nvSpPr>
+          <p:cNvPr id="3" name="Content Placeholder 2">
+            <a:extLst>
+              <a:ext uri="{FF2B5EF4-FFF2-40B4-BE49-F238E27FC236}">
+                <a16:creationId xmlns:a16="http://schemas.microsoft.com/office/drawing/2014/main" id="{784D015C-8456-FD07-0CE7-44040AD5B41B}"/>
+              </a:ext>
+            </a:extLst>
+          </p:cNvPr>
+          <p:cNvSpPr>
+            <a:spLocks noGrp="1"/>
+          </p:cNvSpPr>
+          <p:nvPr>
+            <p:ph idx="1"/>
+          </p:nvPr>
+        </p:nvSpPr>
+        <p:spPr>
+          <a:xfrm>
+            <a:off x="838199" y="1825625"/>
+            <a:ext cx="10515600" cy="4351338"/>
+          </a:xfrm>
+        </p:spPr>
+        <p:txBody>
           <a:bodyPr/>
           <a:lstStyle/>
           <a:p>
@@ -4166,7 +4857,7 @@
             </a:r>
             <a:r>
               <a:rPr lang="en-GB" sz="2400" dirty="0"/>
-              <a:t> Size: 19 variables with 6518 rows </a:t>
+              <a:t> Size: 6518 rows with 19 variables </a:t>
             </a:r>
           </a:p>
           <a:p>
@@ -4229,7 +4920,7 @@
 </p:sld>
 </file>
 
-<file path=ppt/slides/slide4.xml><?xml version="1.0" encoding="utf-8"?>
+<file path=ppt/slides/slide6.xml><?xml version="1.0" encoding="utf-8"?>
 <p:sld xmlns:a="http://schemas.openxmlformats.org/drawingml/2006/main" xmlns:r="http://schemas.openxmlformats.org/officeDocument/2006/relationships" xmlns:p="http://schemas.openxmlformats.org/presentationml/2006/main">
   <p:cSld>
     <p:spTree>
@@ -4274,7 +4965,7 @@
           <a:p>
             <a:r>
               <a:rPr lang="en-GB" dirty="0"/>
-              <a:t>02: Dataset: BTEC Tech Awards (June 2020)</a:t>
+              <a:t>01: Dataset: BTEC Tech Awards (June 2020)</a:t>
             </a:r>
           </a:p>
         </p:txBody>
@@ -4301,8 +4992,8 @@
         </p:blipFill>
         <p:spPr>
           <a:xfrm>
-            <a:off x="444612" y="1786868"/>
-            <a:ext cx="9935962" cy="4706007"/>
+            <a:off x="838200" y="1512332"/>
+            <a:ext cx="10515599" cy="4980543"/>
           </a:xfrm>
           <a:prstGeom prst="rect">
             <a:avLst/>
@@ -4323,8 +5014,8 @@
         </p:nvSpPr>
         <p:spPr>
           <a:xfrm>
-            <a:off x="572885" y="2916936"/>
-            <a:ext cx="9807689" cy="777240"/>
+            <a:off x="838200" y="2651760"/>
+            <a:ext cx="10515599" cy="936392"/>
           </a:xfrm>
           <a:prstGeom prst="rect">
             <a:avLst/>
@@ -4375,8 +5066,8 @@
         </p:nvSpPr>
         <p:spPr>
           <a:xfrm>
-            <a:off x="444613" y="4824244"/>
-            <a:ext cx="9935962" cy="835892"/>
+            <a:off x="838199" y="4735358"/>
+            <a:ext cx="10515599" cy="855213"/>
           </a:xfrm>
           <a:prstGeom prst="rect">
             <a:avLst/>
@@ -4426,327 +5117,6 @@
 </p:sld>
 </file>
 
-<file path=ppt/slides/slide5.xml><?xml version="1.0" encoding="utf-8"?>
-<p:sld xmlns:a="http://schemas.openxmlformats.org/drawingml/2006/main" xmlns:r="http://schemas.openxmlformats.org/officeDocument/2006/relationships" xmlns:p="http://schemas.openxmlformats.org/presentationml/2006/main">
-  <p:cSld>
-    <p:spTree>
-      <p:nvGrpSpPr>
-        <p:cNvPr id="1" name=""/>
-        <p:cNvGrpSpPr/>
-        <p:nvPr/>
-      </p:nvGrpSpPr>
-      <p:grpSpPr>
-        <a:xfrm>
-          <a:off x="0" y="0"/>
-          <a:ext cx="0" cy="0"/>
-          <a:chOff x="0" y="0"/>
-          <a:chExt cx="0" cy="0"/>
-        </a:xfrm>
-      </p:grpSpPr>
-      <p:sp>
-        <p:nvSpPr>
-          <p:cNvPr id="2" name="Title 1">
-            <a:extLst>
-              <a:ext uri="{FF2B5EF4-FFF2-40B4-BE49-F238E27FC236}">
-                <a16:creationId xmlns:a16="http://schemas.microsoft.com/office/drawing/2014/main" id="{C851507D-85C9-9F30-1B71-F8492FE1143D}"/>
-              </a:ext>
-            </a:extLst>
-          </p:cNvPr>
-          <p:cNvSpPr>
-            <a:spLocks noGrp="1"/>
-          </p:cNvSpPr>
-          <p:nvPr>
-            <p:ph type="title"/>
-          </p:nvPr>
-        </p:nvSpPr>
-        <p:spPr/>
-        <p:txBody>
-          <a:bodyPr/>
-          <a:lstStyle/>
-          <a:p>
-            <a:r>
-              <a:rPr lang="en-GB" dirty="0"/>
-              <a:t>03: Data Analysis: Award Count</a:t>
-            </a:r>
-          </a:p>
-        </p:txBody>
-      </p:sp>
-      <p:pic>
-        <p:nvPicPr>
-          <p:cNvPr id="15" name="Picture 14">
-            <a:extLst>
-              <a:ext uri="{FF2B5EF4-FFF2-40B4-BE49-F238E27FC236}">
-                <a16:creationId xmlns:a16="http://schemas.microsoft.com/office/drawing/2014/main" id="{FD6B9E42-0AE9-EE76-919A-26DBC832D852}"/>
-              </a:ext>
-            </a:extLst>
-          </p:cNvPr>
-          <p:cNvPicPr>
-            <a:picLocks noChangeAspect="1"/>
-          </p:cNvPicPr>
-          <p:nvPr/>
-        </p:nvPicPr>
-        <p:blipFill>
-          <a:blip r:embed="rId2"/>
-          <a:stretch>
-            <a:fillRect/>
-          </a:stretch>
-        </p:blipFill>
-        <p:spPr>
-          <a:xfrm>
-            <a:off x="3742996" y="1676161"/>
-            <a:ext cx="4706007" cy="4877481"/>
-          </a:xfrm>
-          <a:prstGeom prst="rect">
-            <a:avLst/>
-          </a:prstGeom>
-        </p:spPr>
-      </p:pic>
-    </p:spTree>
-    <p:extLst>
-      <p:ext uri="{BB962C8B-B14F-4D97-AF65-F5344CB8AC3E}">
-        <p14:creationId xmlns:p14="http://schemas.microsoft.com/office/powerpoint/2010/main" val="3398047113"/>
-      </p:ext>
-    </p:extLst>
-  </p:cSld>
-  <p:clrMapOvr>
-    <a:masterClrMapping/>
-  </p:clrMapOvr>
-</p:sld>
-</file>
-
-<file path=ppt/slides/slide6.xml><?xml version="1.0" encoding="utf-8"?>
-<p:sld xmlns:a="http://schemas.openxmlformats.org/drawingml/2006/main" xmlns:r="http://schemas.openxmlformats.org/officeDocument/2006/relationships" xmlns:p="http://schemas.openxmlformats.org/presentationml/2006/main">
-  <p:cSld>
-    <p:spTree>
-      <p:nvGrpSpPr>
-        <p:cNvPr id="1" name=""/>
-        <p:cNvGrpSpPr/>
-        <p:nvPr/>
-      </p:nvGrpSpPr>
-      <p:grpSpPr>
-        <a:xfrm>
-          <a:off x="0" y="0"/>
-          <a:ext cx="0" cy="0"/>
-          <a:chOff x="0" y="0"/>
-          <a:chExt cx="0" cy="0"/>
-        </a:xfrm>
-      </p:grpSpPr>
-      <p:sp>
-        <p:nvSpPr>
-          <p:cNvPr id="2" name="Title 1">
-            <a:extLst>
-              <a:ext uri="{FF2B5EF4-FFF2-40B4-BE49-F238E27FC236}">
-                <a16:creationId xmlns:a16="http://schemas.microsoft.com/office/drawing/2014/main" id="{20720FAF-70D6-1252-126D-E1023006989A}"/>
-              </a:ext>
-            </a:extLst>
-          </p:cNvPr>
-          <p:cNvSpPr>
-            <a:spLocks noGrp="1"/>
-          </p:cNvSpPr>
-          <p:nvPr>
-            <p:ph type="title"/>
-          </p:nvPr>
-        </p:nvSpPr>
-        <p:spPr>
-          <a:xfrm>
-            <a:off x="472440" y="1312554"/>
-            <a:ext cx="4821936" cy="518466"/>
-          </a:xfrm>
-        </p:spPr>
-        <p:txBody>
-          <a:bodyPr>
-            <a:normAutofit fontScale="90000"/>
-          </a:bodyPr>
-          <a:lstStyle/>
-          <a:p>
-            <a:r>
-              <a:rPr lang="en-GB" sz="3200" dirty="0"/>
-              <a:t>Data Analysis Pass Rate (%)</a:t>
-            </a:r>
-          </a:p>
-        </p:txBody>
-      </p:sp>
-      <p:pic>
-        <p:nvPicPr>
-          <p:cNvPr id="7" name="Picture 6">
-            <a:extLst>
-              <a:ext uri="{FF2B5EF4-FFF2-40B4-BE49-F238E27FC236}">
-                <a16:creationId xmlns:a16="http://schemas.microsoft.com/office/drawing/2014/main" id="{45A7A493-0570-5AA7-E5D3-85564F8BDBE6}"/>
-              </a:ext>
-            </a:extLst>
-          </p:cNvPr>
-          <p:cNvPicPr>
-            <a:picLocks noChangeAspect="1"/>
-          </p:cNvPicPr>
-          <p:nvPr/>
-        </p:nvPicPr>
-        <p:blipFill>
-          <a:blip r:embed="rId2"/>
-          <a:stretch>
-            <a:fillRect/>
-          </a:stretch>
-        </p:blipFill>
-        <p:spPr>
-          <a:xfrm>
-            <a:off x="472440" y="1879714"/>
-            <a:ext cx="4821936" cy="4593191"/>
-          </a:xfrm>
-          <a:prstGeom prst="rect">
-            <a:avLst/>
-          </a:prstGeom>
-        </p:spPr>
-      </p:pic>
-      <p:pic>
-        <p:nvPicPr>
-          <p:cNvPr id="10" name="Picture 9">
-            <a:extLst>
-              <a:ext uri="{FF2B5EF4-FFF2-40B4-BE49-F238E27FC236}">
-                <a16:creationId xmlns:a16="http://schemas.microsoft.com/office/drawing/2014/main" id="{2186C53B-D23F-463C-A981-3EEA6E091EA6}"/>
-              </a:ext>
-            </a:extLst>
-          </p:cNvPr>
-          <p:cNvPicPr>
-            <a:picLocks noChangeAspect="1"/>
-          </p:cNvPicPr>
-          <p:nvPr/>
-        </p:nvPicPr>
-        <p:blipFill>
-          <a:blip r:embed="rId3"/>
-          <a:stretch>
-            <a:fillRect/>
-          </a:stretch>
-        </p:blipFill>
-        <p:spPr>
-          <a:xfrm>
-            <a:off x="6096001" y="1879714"/>
-            <a:ext cx="5257800" cy="4583730"/>
-          </a:xfrm>
-          <a:prstGeom prst="rect">
-            <a:avLst/>
-          </a:prstGeom>
-        </p:spPr>
-      </p:pic>
-      <p:sp>
-        <p:nvSpPr>
-          <p:cNvPr id="11" name="Title 1">
-            <a:extLst>
-              <a:ext uri="{FF2B5EF4-FFF2-40B4-BE49-F238E27FC236}">
-                <a16:creationId xmlns:a16="http://schemas.microsoft.com/office/drawing/2014/main" id="{B145D979-5A22-5FF4-79ED-71B671980A12}"/>
-              </a:ext>
-            </a:extLst>
-          </p:cNvPr>
-          <p:cNvSpPr txBox="1">
-            <a:spLocks/>
-          </p:cNvSpPr>
-          <p:nvPr/>
-        </p:nvSpPr>
-        <p:spPr>
-          <a:xfrm>
-            <a:off x="6096000" y="1312554"/>
-            <a:ext cx="5257800" cy="518466"/>
-          </a:xfrm>
-          <a:prstGeom prst="rect">
-            <a:avLst/>
-          </a:prstGeom>
-        </p:spPr>
-        <p:txBody>
-          <a:bodyPr vert="horz" lIns="91440" tIns="45720" rIns="91440" bIns="45720" rtlCol="0" anchor="ctr">
-            <a:normAutofit/>
-          </a:bodyPr>
-          <a:lstStyle>
-            <a:lvl1pPr algn="l" defTabSz="914400" rtl="0" eaLnBrk="1" latinLnBrk="0" hangingPunct="1">
-              <a:lnSpc>
-                <a:spcPct val="90000"/>
-              </a:lnSpc>
-              <a:spcBef>
-                <a:spcPct val="0"/>
-              </a:spcBef>
-              <a:buNone/>
-              <a:defRPr sz="4400" kern="1200">
-                <a:solidFill>
-                  <a:schemeClr val="tx1"/>
-                </a:solidFill>
-                <a:latin typeface="+mj-lt"/>
-                <a:ea typeface="+mj-ea"/>
-                <a:cs typeface="+mj-cs"/>
-              </a:defRPr>
-            </a:lvl1pPr>
-          </a:lstStyle>
-          <a:p>
-            <a:r>
-              <a:rPr lang="en-GB" sz="2900" dirty="0"/>
-              <a:t>Data Analysis Top Score Rate (%)</a:t>
-            </a:r>
-          </a:p>
-        </p:txBody>
-      </p:sp>
-      <p:sp>
-        <p:nvSpPr>
-          <p:cNvPr id="12" name="Title 1">
-            <a:extLst>
-              <a:ext uri="{FF2B5EF4-FFF2-40B4-BE49-F238E27FC236}">
-                <a16:creationId xmlns:a16="http://schemas.microsoft.com/office/drawing/2014/main" id="{992804A1-EC09-FDD1-5D37-FDB3B92D6192}"/>
-              </a:ext>
-            </a:extLst>
-          </p:cNvPr>
-          <p:cNvSpPr txBox="1">
-            <a:spLocks/>
-          </p:cNvSpPr>
-          <p:nvPr/>
-        </p:nvSpPr>
-        <p:spPr>
-          <a:xfrm>
-            <a:off x="472440" y="84179"/>
-            <a:ext cx="10515600" cy="1017636"/>
-          </a:xfrm>
-          <a:prstGeom prst="rect">
-            <a:avLst/>
-          </a:prstGeom>
-        </p:spPr>
-        <p:txBody>
-          <a:bodyPr vert="horz" lIns="91440" tIns="45720" rIns="91440" bIns="45720" rtlCol="0" anchor="ctr">
-            <a:normAutofit/>
-          </a:bodyPr>
-          <a:lstStyle>
-            <a:lvl1pPr algn="l" defTabSz="914400" rtl="0" eaLnBrk="1" latinLnBrk="0" hangingPunct="1">
-              <a:lnSpc>
-                <a:spcPct val="90000"/>
-              </a:lnSpc>
-              <a:spcBef>
-                <a:spcPct val="0"/>
-              </a:spcBef>
-              <a:buNone/>
-              <a:defRPr sz="4400" kern="1200">
-                <a:solidFill>
-                  <a:schemeClr val="tx1"/>
-                </a:solidFill>
-                <a:latin typeface="+mj-lt"/>
-                <a:ea typeface="+mj-ea"/>
-                <a:cs typeface="+mj-cs"/>
-              </a:defRPr>
-            </a:lvl1pPr>
-          </a:lstStyle>
-          <a:p>
-            <a:r>
-              <a:rPr lang="en-GB" dirty="0"/>
-              <a:t>03: Data Analysis: Pass &amp; Top Score Rate</a:t>
-            </a:r>
-          </a:p>
-        </p:txBody>
-      </p:sp>
-    </p:spTree>
-    <p:extLst>
-      <p:ext uri="{BB962C8B-B14F-4D97-AF65-F5344CB8AC3E}">
-        <p14:creationId xmlns:p14="http://schemas.microsoft.com/office/powerpoint/2010/main" val="780852735"/>
-      </p:ext>
-    </p:extLst>
-  </p:cSld>
-  <p:clrMapOvr>
-    <a:masterClrMapping/>
-  </p:clrMapOvr>
-</p:sld>
-</file>
-
 <file path=ppt/slides/slide7.xml><?xml version="1.0" encoding="utf-8"?>
 <p:sld xmlns:a="http://schemas.openxmlformats.org/drawingml/2006/main" xmlns:r="http://schemas.openxmlformats.org/officeDocument/2006/relationships" xmlns:p="http://schemas.openxmlformats.org/presentationml/2006/main">
   <p:cSld>
@@ -4769,39 +5139,58 @@
           <p:cNvPr id="2" name="Title 1">
             <a:extLst>
               <a:ext uri="{FF2B5EF4-FFF2-40B4-BE49-F238E27FC236}">
-                <a16:creationId xmlns:a16="http://schemas.microsoft.com/office/drawing/2014/main" id="{45B05908-9B1C-4897-B27E-F23BFAE760F3}"/>
-              </a:ext>
-            </a:extLst>
-          </p:cNvPr>
-          <p:cNvSpPr>
-            <a:spLocks noGrp="1"/>
-          </p:cNvSpPr>
-          <p:nvPr>
-            <p:ph type="title"/>
-          </p:nvPr>
-        </p:nvSpPr>
-        <p:spPr>
-          <a:xfrm>
-            <a:off x="838200" y="2766218"/>
-            <a:ext cx="10515600" cy="1325563"/>
-          </a:xfrm>
-        </p:spPr>
-        <p:txBody>
-          <a:bodyPr/>
-          <a:lstStyle/>
-          <a:p>
-            <a:pPr algn="ctr"/>
+                <a16:creationId xmlns:a16="http://schemas.microsoft.com/office/drawing/2014/main" id="{82B5A48F-8AAC-E9F4-592A-D24702082EDB}"/>
+              </a:ext>
+            </a:extLst>
+          </p:cNvPr>
+          <p:cNvSpPr>
+            <a:spLocks noGrp="1"/>
+          </p:cNvSpPr>
+          <p:nvPr>
+            <p:ph type="ctrTitle"/>
+          </p:nvPr>
+        </p:nvSpPr>
+        <p:spPr/>
+        <p:txBody>
+          <a:bodyPr/>
+          <a:lstStyle/>
+          <a:p>
             <a:r>
               <a:rPr lang="en-GB" dirty="0"/>
-              <a:t>Any Issues Encountered</a:t>
-            </a:r>
+              <a:t>02: Data Analysis</a:t>
+            </a:r>
+          </a:p>
+        </p:txBody>
+      </p:sp>
+      <p:sp>
+        <p:nvSpPr>
+          <p:cNvPr id="3" name="Subtitle 2">
+            <a:extLst>
+              <a:ext uri="{FF2B5EF4-FFF2-40B4-BE49-F238E27FC236}">
+                <a16:creationId xmlns:a16="http://schemas.microsoft.com/office/drawing/2014/main" id="{0EA9A3AC-DCE4-2372-8C6B-4A157CB7F09E}"/>
+              </a:ext>
+            </a:extLst>
+          </p:cNvPr>
+          <p:cNvSpPr>
+            <a:spLocks noGrp="1"/>
+          </p:cNvSpPr>
+          <p:nvPr>
+            <p:ph type="subTitle" idx="1"/>
+          </p:nvPr>
+        </p:nvSpPr>
+        <p:spPr/>
+        <p:txBody>
+          <a:bodyPr/>
+          <a:lstStyle/>
+          <a:p>
+            <a:endParaRPr lang="en-GB" dirty="0"/>
           </a:p>
         </p:txBody>
       </p:sp>
     </p:spTree>
     <p:extLst>
       <p:ext uri="{BB962C8B-B14F-4D97-AF65-F5344CB8AC3E}">
-        <p14:creationId xmlns:p14="http://schemas.microsoft.com/office/powerpoint/2010/main" val="3716261586"/>
+        <p14:creationId xmlns:p14="http://schemas.microsoft.com/office/powerpoint/2010/main" val="889941764"/>
       </p:ext>
     </p:extLst>
   </p:cSld>
@@ -4833,7 +5222,7 @@
           <p:cNvPr id="2" name="Title 1">
             <a:extLst>
               <a:ext uri="{FF2B5EF4-FFF2-40B4-BE49-F238E27FC236}">
-                <a16:creationId xmlns:a16="http://schemas.microsoft.com/office/drawing/2014/main" id="{973ED216-735C-C50E-08B2-38EBFB20DD88}"/>
+                <a16:creationId xmlns:a16="http://schemas.microsoft.com/office/drawing/2014/main" id="{C851507D-85C9-9F30-1B71-F8492FE1143D}"/>
               </a:ext>
             </a:extLst>
           </p:cNvPr>
@@ -4849,16 +5238,19 @@
           <a:bodyPr/>
           <a:lstStyle/>
           <a:p>
-            <a:endParaRPr lang="en-GB"/>
-          </a:p>
-        </p:txBody>
-      </p:sp>
-      <p:sp>
-        <p:nvSpPr>
-          <p:cNvPr id="3" name="Content Placeholder 2">
-            <a:extLst>
-              <a:ext uri="{FF2B5EF4-FFF2-40B4-BE49-F238E27FC236}">
-                <a16:creationId xmlns:a16="http://schemas.microsoft.com/office/drawing/2014/main" id="{8124A597-B421-CD1F-1425-0E7B6AE170B0}"/>
+            <a:r>
+              <a:rPr lang="en-GB" dirty="0"/>
+              <a:t>02: Data Analysis: Award Count</a:t>
+            </a:r>
+          </a:p>
+        </p:txBody>
+      </p:sp>
+      <p:sp>
+        <p:nvSpPr>
+          <p:cNvPr id="4" name="Content Placeholder 2">
+            <a:extLst>
+              <a:ext uri="{FF2B5EF4-FFF2-40B4-BE49-F238E27FC236}">
+                <a16:creationId xmlns:a16="http://schemas.microsoft.com/office/drawing/2014/main" id="{4FFE3751-A6AF-4829-B297-85CA0A05D32B}"/>
               </a:ext>
             </a:extLst>
           </p:cNvPr>
@@ -4869,11 +5261,203 @@
             <p:ph idx="1"/>
           </p:nvPr>
         </p:nvSpPr>
-        <p:spPr/>
-        <p:txBody>
-          <a:bodyPr/>
-          <a:lstStyle/>
-          <a:p>
+        <p:spPr>
+          <a:xfrm>
+            <a:off x="7083705" y="1825625"/>
+            <a:ext cx="4270093" cy="4351338"/>
+          </a:xfrm>
+        </p:spPr>
+        <p:txBody>
+          <a:bodyPr>
+            <a:normAutofit/>
+          </a:bodyPr>
+          <a:lstStyle/>
+          <a:p>
+            <a:pPr marL="0" indent="0">
+              <a:buNone/>
+            </a:pPr>
+            <a:r>
+              <a:rPr lang="en-GB" sz="2400" dirty="0"/>
+              <a:t>Note:</a:t>
+            </a:r>
+          </a:p>
+          <a:p>
+            <a:r>
+              <a:rPr lang="en-GB" sz="2400" dirty="0"/>
+              <a:t>Removed any missing Grades</a:t>
+            </a:r>
+          </a:p>
+          <a:p>
+            <a:r>
+              <a:rPr lang="en-GB" sz="2400" dirty="0"/>
+              <a:t>Combined “</a:t>
+            </a:r>
+            <a:r>
+              <a:rPr lang="en-GB" sz="2400" dirty="0">
+                <a:solidFill>
+                  <a:srgbClr val="00B050"/>
+                </a:solidFill>
+              </a:rPr>
+              <a:t>Digital information Tech</a:t>
+            </a:r>
+            <a:r>
+              <a:rPr lang="en-GB" sz="2400" dirty="0"/>
+              <a:t>” categories into single category.</a:t>
+            </a:r>
+          </a:p>
+          <a:p>
+            <a:r>
+              <a:rPr lang="en-GB" sz="2400" dirty="0"/>
+              <a:t>Combined “</a:t>
+            </a:r>
+            <a:r>
+              <a:rPr lang="en-GB" sz="2400" dirty="0">
+                <a:solidFill>
+                  <a:srgbClr val="FF0000"/>
+                </a:solidFill>
+              </a:rPr>
+              <a:t>Performing Arts</a:t>
+            </a:r>
+            <a:r>
+              <a:rPr lang="en-GB" sz="2400" dirty="0"/>
+              <a:t>” categories into single category.</a:t>
+            </a:r>
+          </a:p>
+          <a:p>
+            <a:endParaRPr lang="en-GB" sz="2400" dirty="0"/>
+          </a:p>
+        </p:txBody>
+      </p:sp>
+      <p:pic>
+        <p:nvPicPr>
+          <p:cNvPr id="5" name="Picture 4">
+            <a:extLst>
+              <a:ext uri="{FF2B5EF4-FFF2-40B4-BE49-F238E27FC236}">
+                <a16:creationId xmlns:a16="http://schemas.microsoft.com/office/drawing/2014/main" id="{6B982E47-DEC6-0AF9-2ABA-E7330A5EE8D6}"/>
+              </a:ext>
+            </a:extLst>
+          </p:cNvPr>
+          <p:cNvPicPr>
+            <a:picLocks noChangeAspect="1"/>
+          </p:cNvPicPr>
+          <p:nvPr/>
+        </p:nvPicPr>
+        <p:blipFill>
+          <a:blip r:embed="rId2"/>
+          <a:stretch>
+            <a:fillRect/>
+          </a:stretch>
+        </p:blipFill>
+        <p:spPr>
+          <a:xfrm>
+            <a:off x="838200" y="1690688"/>
+            <a:ext cx="4715533" cy="4829849"/>
+          </a:xfrm>
+          <a:prstGeom prst="rect">
+            <a:avLst/>
+          </a:prstGeom>
+        </p:spPr>
+      </p:pic>
+      <p:sp>
+        <p:nvSpPr>
+          <p:cNvPr id="7" name="Rectangle 6">
+            <a:extLst>
+              <a:ext uri="{FF2B5EF4-FFF2-40B4-BE49-F238E27FC236}">
+                <a16:creationId xmlns:a16="http://schemas.microsoft.com/office/drawing/2014/main" id="{34BBB558-C399-070B-4E3F-EC762A7ECE0E}"/>
+              </a:ext>
+            </a:extLst>
+          </p:cNvPr>
+          <p:cNvSpPr/>
+          <p:nvPr/>
+        </p:nvSpPr>
+        <p:spPr>
+          <a:xfrm>
+            <a:off x="838200" y="2882096"/>
+            <a:ext cx="4715533" cy="393539"/>
+          </a:xfrm>
+          <a:prstGeom prst="rect">
+            <a:avLst/>
+          </a:prstGeom>
+          <a:noFill/>
+          <a:ln w="38100">
+            <a:solidFill>
+              <a:srgbClr val="00B050"/>
+            </a:solidFill>
+          </a:ln>
+        </p:spPr>
+        <p:style>
+          <a:lnRef idx="2">
+            <a:schemeClr val="accent1">
+              <a:shade val="50000"/>
+            </a:schemeClr>
+          </a:lnRef>
+          <a:fillRef idx="1">
+            <a:schemeClr val="accent1"/>
+          </a:fillRef>
+          <a:effectRef idx="0">
+            <a:schemeClr val="accent1"/>
+          </a:effectRef>
+          <a:fontRef idx="minor">
+            <a:schemeClr val="lt1"/>
+          </a:fontRef>
+        </p:style>
+        <p:txBody>
+          <a:bodyPr rtlCol="0" anchor="ctr"/>
+          <a:lstStyle/>
+          <a:p>
+            <a:pPr algn="ctr"/>
+            <a:endParaRPr lang="en-GB"/>
+          </a:p>
+        </p:txBody>
+      </p:sp>
+      <p:sp>
+        <p:nvSpPr>
+          <p:cNvPr id="8" name="Rectangle 7">
+            <a:extLst>
+              <a:ext uri="{FF2B5EF4-FFF2-40B4-BE49-F238E27FC236}">
+                <a16:creationId xmlns:a16="http://schemas.microsoft.com/office/drawing/2014/main" id="{2F22155D-29CD-E41A-8D80-87663D5D1D7A}"/>
+              </a:ext>
+            </a:extLst>
+          </p:cNvPr>
+          <p:cNvSpPr/>
+          <p:nvPr/>
+        </p:nvSpPr>
+        <p:spPr>
+          <a:xfrm>
+            <a:off x="838199" y="4073504"/>
+            <a:ext cx="4715533" cy="393539"/>
+          </a:xfrm>
+          <a:prstGeom prst="rect">
+            <a:avLst/>
+          </a:prstGeom>
+          <a:noFill/>
+          <a:ln w="38100">
+            <a:solidFill>
+              <a:srgbClr val="FF0000"/>
+            </a:solidFill>
+          </a:ln>
+        </p:spPr>
+        <p:style>
+          <a:lnRef idx="2">
+            <a:schemeClr val="accent1">
+              <a:shade val="50000"/>
+            </a:schemeClr>
+          </a:lnRef>
+          <a:fillRef idx="1">
+            <a:schemeClr val="accent1"/>
+          </a:fillRef>
+          <a:effectRef idx="0">
+            <a:schemeClr val="accent1"/>
+          </a:effectRef>
+          <a:fontRef idx="minor">
+            <a:schemeClr val="lt1"/>
+          </a:fontRef>
+        </p:style>
+        <p:txBody>
+          <a:bodyPr rtlCol="0" anchor="ctr"/>
+          <a:lstStyle/>
+          <a:p>
+            <a:pPr algn="ctr"/>
             <a:endParaRPr lang="en-GB"/>
           </a:p>
         </p:txBody>
@@ -4881,7 +5465,7 @@
     </p:spTree>
     <p:extLst>
       <p:ext uri="{BB962C8B-B14F-4D97-AF65-F5344CB8AC3E}">
-        <p14:creationId xmlns:p14="http://schemas.microsoft.com/office/powerpoint/2010/main" val="4163046914"/>
+        <p14:creationId xmlns:p14="http://schemas.microsoft.com/office/powerpoint/2010/main" val="3398047113"/>
       </p:ext>
     </p:extLst>
   </p:cSld>
@@ -4913,7 +5497,7 @@
           <p:cNvPr id="2" name="Title 1">
             <a:extLst>
               <a:ext uri="{FF2B5EF4-FFF2-40B4-BE49-F238E27FC236}">
-                <a16:creationId xmlns:a16="http://schemas.microsoft.com/office/drawing/2014/main" id="{C7090B86-8F38-B822-10EC-550FE26025F9}"/>
+                <a16:creationId xmlns:a16="http://schemas.microsoft.com/office/drawing/2014/main" id="{20720FAF-70D6-1252-126D-E1023006989A}"/>
               </a:ext>
             </a:extLst>
           </p:cNvPr>
@@ -4924,129 +5508,197 @@
             <p:ph type="title"/>
           </p:nvPr>
         </p:nvSpPr>
-        <p:spPr/>
-        <p:txBody>
-          <a:bodyPr/>
-          <a:lstStyle/>
+        <p:spPr>
+          <a:xfrm>
+            <a:off x="472440" y="1312554"/>
+            <a:ext cx="4821936" cy="518466"/>
+          </a:xfrm>
+        </p:spPr>
+        <p:txBody>
+          <a:bodyPr>
+            <a:normAutofit fontScale="90000"/>
+          </a:bodyPr>
+          <a:lstStyle/>
+          <a:p>
+            <a:r>
+              <a:rPr lang="en-GB" sz="3200" dirty="0"/>
+              <a:t>Data Analysis Pass Rate (%)</a:t>
+            </a:r>
+          </a:p>
+        </p:txBody>
+      </p:sp>
+      <p:pic>
+        <p:nvPicPr>
+          <p:cNvPr id="7" name="Picture 6">
+            <a:extLst>
+              <a:ext uri="{FF2B5EF4-FFF2-40B4-BE49-F238E27FC236}">
+                <a16:creationId xmlns:a16="http://schemas.microsoft.com/office/drawing/2014/main" id="{45A7A493-0570-5AA7-E5D3-85564F8BDBE6}"/>
+              </a:ext>
+            </a:extLst>
+          </p:cNvPr>
+          <p:cNvPicPr>
+            <a:picLocks noChangeAspect="1"/>
+          </p:cNvPicPr>
+          <p:nvPr/>
+        </p:nvPicPr>
+        <p:blipFill>
+          <a:blip r:embed="rId2"/>
+          <a:stretch>
+            <a:fillRect/>
+          </a:stretch>
+        </p:blipFill>
+        <p:spPr>
+          <a:xfrm>
+            <a:off x="472440" y="1879714"/>
+            <a:ext cx="4821936" cy="4593191"/>
+          </a:xfrm>
+          <a:prstGeom prst="rect">
+            <a:avLst/>
+          </a:prstGeom>
+        </p:spPr>
+      </p:pic>
+      <p:pic>
+        <p:nvPicPr>
+          <p:cNvPr id="10" name="Picture 9">
+            <a:extLst>
+              <a:ext uri="{FF2B5EF4-FFF2-40B4-BE49-F238E27FC236}">
+                <a16:creationId xmlns:a16="http://schemas.microsoft.com/office/drawing/2014/main" id="{2186C53B-D23F-463C-A981-3EEA6E091EA6}"/>
+              </a:ext>
+            </a:extLst>
+          </p:cNvPr>
+          <p:cNvPicPr>
+            <a:picLocks noChangeAspect="1"/>
+          </p:cNvPicPr>
+          <p:nvPr/>
+        </p:nvPicPr>
+        <p:blipFill>
+          <a:blip r:embed="rId3"/>
+          <a:stretch>
+            <a:fillRect/>
+          </a:stretch>
+        </p:blipFill>
+        <p:spPr>
+          <a:xfrm>
+            <a:off x="6096001" y="1879714"/>
+            <a:ext cx="5257800" cy="4583730"/>
+          </a:xfrm>
+          <a:prstGeom prst="rect">
+            <a:avLst/>
+          </a:prstGeom>
+        </p:spPr>
+      </p:pic>
+      <p:sp>
+        <p:nvSpPr>
+          <p:cNvPr id="11" name="Title 1">
+            <a:extLst>
+              <a:ext uri="{FF2B5EF4-FFF2-40B4-BE49-F238E27FC236}">
+                <a16:creationId xmlns:a16="http://schemas.microsoft.com/office/drawing/2014/main" id="{B145D979-5A22-5FF4-79ED-71B671980A12}"/>
+              </a:ext>
+            </a:extLst>
+          </p:cNvPr>
+          <p:cNvSpPr txBox="1">
+            <a:spLocks/>
+          </p:cNvSpPr>
+          <p:nvPr/>
+        </p:nvSpPr>
+        <p:spPr>
+          <a:xfrm>
+            <a:off x="6096000" y="1312554"/>
+            <a:ext cx="5257800" cy="518466"/>
+          </a:xfrm>
+          <a:prstGeom prst="rect">
+            <a:avLst/>
+          </a:prstGeom>
+        </p:spPr>
+        <p:txBody>
+          <a:bodyPr vert="horz" lIns="91440" tIns="45720" rIns="91440" bIns="45720" rtlCol="0" anchor="ctr">
+            <a:normAutofit/>
+          </a:bodyPr>
+          <a:lstStyle>
+            <a:lvl1pPr algn="l" defTabSz="914400" rtl="0" eaLnBrk="1" latinLnBrk="0" hangingPunct="1">
+              <a:lnSpc>
+                <a:spcPct val="90000"/>
+              </a:lnSpc>
+              <a:spcBef>
+                <a:spcPct val="0"/>
+              </a:spcBef>
+              <a:buNone/>
+              <a:defRPr sz="4400" kern="1200">
+                <a:solidFill>
+                  <a:schemeClr val="tx1"/>
+                </a:solidFill>
+                <a:latin typeface="+mj-lt"/>
+                <a:ea typeface="+mj-ea"/>
+                <a:cs typeface="+mj-cs"/>
+              </a:defRPr>
+            </a:lvl1pPr>
+          </a:lstStyle>
+          <a:p>
+            <a:r>
+              <a:rPr lang="en-GB" sz="2900" dirty="0"/>
+              <a:t>Data Analysis Top Score Rate (%)</a:t>
+            </a:r>
+          </a:p>
+        </p:txBody>
+      </p:sp>
+      <p:sp>
+        <p:nvSpPr>
+          <p:cNvPr id="12" name="Title 1">
+            <a:extLst>
+              <a:ext uri="{FF2B5EF4-FFF2-40B4-BE49-F238E27FC236}">
+                <a16:creationId xmlns:a16="http://schemas.microsoft.com/office/drawing/2014/main" id="{992804A1-EC09-FDD1-5D37-FDB3B92D6192}"/>
+              </a:ext>
+            </a:extLst>
+          </p:cNvPr>
+          <p:cNvSpPr txBox="1">
+            <a:spLocks/>
+          </p:cNvSpPr>
+          <p:nvPr/>
+        </p:nvSpPr>
+        <p:spPr>
+          <a:xfrm>
+            <a:off x="472440" y="84179"/>
+            <a:ext cx="10515600" cy="1017636"/>
+          </a:xfrm>
+          <a:prstGeom prst="rect">
+            <a:avLst/>
+          </a:prstGeom>
+        </p:spPr>
+        <p:txBody>
+          <a:bodyPr vert="horz" lIns="91440" tIns="45720" rIns="91440" bIns="45720" rtlCol="0" anchor="ctr">
+            <a:normAutofit/>
+          </a:bodyPr>
+          <a:lstStyle>
+            <a:lvl1pPr algn="l" defTabSz="914400" rtl="0" eaLnBrk="1" latinLnBrk="0" hangingPunct="1">
+              <a:lnSpc>
+                <a:spcPct val="90000"/>
+              </a:lnSpc>
+              <a:spcBef>
+                <a:spcPct val="0"/>
+              </a:spcBef>
+              <a:buNone/>
+              <a:defRPr sz="4400" kern="1200">
+                <a:solidFill>
+                  <a:schemeClr val="tx1"/>
+                </a:solidFill>
+                <a:latin typeface="+mj-lt"/>
+                <a:ea typeface="+mj-ea"/>
+                <a:cs typeface="+mj-cs"/>
+              </a:defRPr>
+            </a:lvl1pPr>
+          </a:lstStyle>
           <a:p>
             <a:r>
               <a:rPr lang="en-GB" dirty="0"/>
-              <a:t>Static columns</a:t>
-            </a:r>
-          </a:p>
-        </p:txBody>
-      </p:sp>
-      <p:sp>
-        <p:nvSpPr>
-          <p:cNvPr id="3" name="Content Placeholder 2">
-            <a:extLst>
-              <a:ext uri="{FF2B5EF4-FFF2-40B4-BE49-F238E27FC236}">
-                <a16:creationId xmlns:a16="http://schemas.microsoft.com/office/drawing/2014/main" id="{9BDF2EE8-9A6D-B012-7BAA-F942A7B57C4D}"/>
-              </a:ext>
-            </a:extLst>
-          </p:cNvPr>
-          <p:cNvSpPr>
-            <a:spLocks noGrp="1"/>
-          </p:cNvSpPr>
-          <p:nvPr>
-            <p:ph idx="1"/>
-          </p:nvPr>
-        </p:nvSpPr>
-        <p:spPr/>
-        <p:txBody>
-          <a:bodyPr>
-            <a:normAutofit fontScale="92500" lnSpcReduction="10000"/>
-          </a:bodyPr>
-          <a:lstStyle/>
-          <a:p>
-            <a:r>
-              <a:rPr lang="en-GB" dirty="0"/>
-              <a:t>Pearson Qualification: BTEC Tech Awards</a:t>
-            </a:r>
-          </a:p>
-          <a:p>
-            <a:r>
-              <a:rPr lang="en-GB" dirty="0"/>
-              <a:t>Series: 2020-06-01</a:t>
-            </a:r>
-          </a:p>
-          <a:p>
-            <a:r>
-              <a:rPr lang="en-GB" dirty="0" err="1"/>
-              <a:t>ucas_ref</a:t>
-            </a:r>
-            <a:r>
-              <a:rPr lang="en-GB" dirty="0"/>
-              <a:t>: N/A</a:t>
-            </a:r>
-          </a:p>
-          <a:p>
-            <a:r>
-              <a:rPr lang="en-GB" dirty="0" err="1"/>
-              <a:t>cert_no</a:t>
-            </a:r>
-            <a:r>
-              <a:rPr lang="en-GB" dirty="0"/>
-              <a:t>: N/A</a:t>
-            </a:r>
-          </a:p>
-          <a:p>
-            <a:r>
-              <a:rPr lang="en-GB" dirty="0" err="1"/>
-              <a:t>award_code</a:t>
-            </a:r>
-            <a:r>
-              <a:rPr lang="en-GB" dirty="0"/>
-              <a:t>: Y6</a:t>
-            </a:r>
-          </a:p>
-          <a:p>
-            <a:r>
-              <a:rPr lang="en-GB" dirty="0" err="1"/>
-              <a:t>award_code_desciprtion</a:t>
-            </a:r>
-            <a:r>
-              <a:rPr lang="en-GB" dirty="0"/>
-              <a:t>: PEARSON BTEC LEVEL 1/LEVEL 2 TECH AWARD (120 GLH)</a:t>
-            </a:r>
-          </a:p>
-          <a:p>
-            <a:r>
-              <a:rPr lang="en-GB" dirty="0" err="1"/>
-              <a:t>in_regraded_files</a:t>
-            </a:r>
-            <a:r>
-              <a:rPr lang="en-GB" dirty="0"/>
-              <a:t>: 0</a:t>
-            </a:r>
-          </a:p>
-          <a:p>
-            <a:r>
-              <a:rPr lang="en-GB" dirty="0" err="1"/>
-              <a:t>external_assessment_grade</a:t>
-            </a:r>
-            <a:r>
-              <a:rPr lang="en-GB" dirty="0"/>
-              <a:t>: N/A</a:t>
-            </a:r>
-          </a:p>
-          <a:p>
-            <a:r>
-              <a:rPr lang="en-GB" dirty="0"/>
-              <a:t>status: Unknown </a:t>
-            </a:r>
-            <a:r>
-              <a:rPr lang="en-GB" dirty="0" err="1"/>
-              <a:t>anomalie</a:t>
-            </a:r>
-            <a:endParaRPr lang="en-GB" dirty="0"/>
+              <a:t>02: Data Analysis: Pass &amp; Top Score Rate</a:t>
+            </a:r>
           </a:p>
         </p:txBody>
       </p:sp>
     </p:spTree>
     <p:extLst>
       <p:ext uri="{BB962C8B-B14F-4D97-AF65-F5344CB8AC3E}">
-        <p14:creationId xmlns:p14="http://schemas.microsoft.com/office/powerpoint/2010/main" val="1979669570"/>
+        <p14:creationId xmlns:p14="http://schemas.microsoft.com/office/powerpoint/2010/main" val="780852735"/>
       </p:ext>
     </p:extLst>
   </p:cSld>

--- a/pearson_edu_presentation/Pearson_edu_presentation.pptx
+++ b/pearson_edu_presentation/Pearson_edu_presentation.pptx
@@ -208,7 +208,7 @@
           <a:p>
             <a:fld id="{20094BED-D35D-43B7-8553-CE57C3901055}" type="datetimeFigureOut">
               <a:rPr lang="en-GB" smtClean="0"/>
-              <a:t>10/05/2022</a:t>
+              <a:t>12/05/2022</a:t>
             </a:fld>
             <a:endParaRPr lang="en-GB"/>
           </a:p>
@@ -521,6 +521,93 @@
           <a:lstStyle/>
           <a:p>
             <a:r>
+              <a:rPr lang="en-GB" dirty="0"/>
+              <a:t>The aim of the presentation is to provide an understanding to the dataset </a:t>
+            </a:r>
+          </a:p>
+        </p:txBody>
+      </p:sp>
+      <p:sp>
+        <p:nvSpPr>
+          <p:cNvPr id="4" name="Slide Number Placeholder 3"/>
+          <p:cNvSpPr>
+            <a:spLocks noGrp="1"/>
+          </p:cNvSpPr>
+          <p:nvPr>
+            <p:ph type="sldNum" sz="quarter" idx="5"/>
+          </p:nvPr>
+        </p:nvSpPr>
+        <p:spPr/>
+        <p:txBody>
+          <a:bodyPr/>
+          <a:lstStyle/>
+          <a:p>
+            <a:fld id="{513C6D55-176F-43A3-BF44-93976FFCC241}" type="slidenum">
+              <a:rPr lang="en-GB" smtClean="0"/>
+              <a:t>3</a:t>
+            </a:fld>
+            <a:endParaRPr lang="en-GB"/>
+          </a:p>
+        </p:txBody>
+      </p:sp>
+    </p:spTree>
+    <p:extLst>
+      <p:ext uri="{BB962C8B-B14F-4D97-AF65-F5344CB8AC3E}">
+        <p14:creationId xmlns:p14="http://schemas.microsoft.com/office/powerpoint/2010/main" val="3017203746"/>
+      </p:ext>
+    </p:extLst>
+  </p:cSld>
+  <p:clrMapOvr>
+    <a:masterClrMapping/>
+  </p:clrMapOvr>
+</p:notes>
+</file>
+
+<file path=ppt/notesSlides/notesSlide2.xml><?xml version="1.0" encoding="utf-8"?>
+<p:notes xmlns:a="http://schemas.openxmlformats.org/drawingml/2006/main" xmlns:r="http://schemas.openxmlformats.org/officeDocument/2006/relationships" xmlns:p="http://schemas.openxmlformats.org/presentationml/2006/main">
+  <p:cSld>
+    <p:spTree>
+      <p:nvGrpSpPr>
+        <p:cNvPr id="1" name=""/>
+        <p:cNvGrpSpPr/>
+        <p:nvPr/>
+      </p:nvGrpSpPr>
+      <p:grpSpPr>
+        <a:xfrm>
+          <a:off x="0" y="0"/>
+          <a:ext cx="0" cy="0"/>
+          <a:chOff x="0" y="0"/>
+          <a:chExt cx="0" cy="0"/>
+        </a:xfrm>
+      </p:grpSpPr>
+      <p:sp>
+        <p:nvSpPr>
+          <p:cNvPr id="2" name="Slide Image Placeholder 1"/>
+          <p:cNvSpPr>
+            <a:spLocks noGrp="1" noRot="1" noChangeAspect="1"/>
+          </p:cNvSpPr>
+          <p:nvPr>
+            <p:ph type="sldImg"/>
+          </p:nvPr>
+        </p:nvSpPr>
+        <p:spPr/>
+      </p:sp>
+      <p:sp>
+        <p:nvSpPr>
+          <p:cNvPr id="3" name="Notes Placeholder 2"/>
+          <p:cNvSpPr>
+            <a:spLocks noGrp="1"/>
+          </p:cNvSpPr>
+          <p:nvPr>
+            <p:ph type="body" idx="1"/>
+          </p:nvPr>
+        </p:nvSpPr>
+        <p:spPr/>
+        <p:txBody>
+          <a:bodyPr/>
+          <a:lstStyle/>
+          <a:p>
+            <a:r>
               <a:rPr lang="en-GB" sz="1200" dirty="0"/>
               <a:t>6518 records in total</a:t>
             </a:r>
@@ -797,7 +884,7 @@
           <a:p>
             <a:fld id="{6524CA52-0208-4CAB-A2DA-224004619860}" type="datetimeFigureOut">
               <a:rPr lang="en-GB" smtClean="0"/>
-              <a:t>10/05/2022</a:t>
+              <a:t>12/05/2022</a:t>
             </a:fld>
             <a:endParaRPr lang="en-GB"/>
           </a:p>
@@ -997,7 +1084,7 @@
           <a:p>
             <a:fld id="{6524CA52-0208-4CAB-A2DA-224004619860}" type="datetimeFigureOut">
               <a:rPr lang="en-GB" smtClean="0"/>
-              <a:t>10/05/2022</a:t>
+              <a:t>12/05/2022</a:t>
             </a:fld>
             <a:endParaRPr lang="en-GB"/>
           </a:p>
@@ -1207,7 +1294,7 @@
           <a:p>
             <a:fld id="{6524CA52-0208-4CAB-A2DA-224004619860}" type="datetimeFigureOut">
               <a:rPr lang="en-GB" smtClean="0"/>
-              <a:t>10/05/2022</a:t>
+              <a:t>12/05/2022</a:t>
             </a:fld>
             <a:endParaRPr lang="en-GB"/>
           </a:p>
@@ -1407,7 +1494,7 @@
           <a:p>
             <a:fld id="{6524CA52-0208-4CAB-A2DA-224004619860}" type="datetimeFigureOut">
               <a:rPr lang="en-GB" smtClean="0"/>
-              <a:t>10/05/2022</a:t>
+              <a:t>12/05/2022</a:t>
             </a:fld>
             <a:endParaRPr lang="en-GB"/>
           </a:p>
@@ -1683,7 +1770,7 @@
           <a:p>
             <a:fld id="{6524CA52-0208-4CAB-A2DA-224004619860}" type="datetimeFigureOut">
               <a:rPr lang="en-GB" smtClean="0"/>
-              <a:t>10/05/2022</a:t>
+              <a:t>12/05/2022</a:t>
             </a:fld>
             <a:endParaRPr lang="en-GB"/>
           </a:p>
@@ -1951,7 +2038,7 @@
           <a:p>
             <a:fld id="{6524CA52-0208-4CAB-A2DA-224004619860}" type="datetimeFigureOut">
               <a:rPr lang="en-GB" smtClean="0"/>
-              <a:t>10/05/2022</a:t>
+              <a:t>12/05/2022</a:t>
             </a:fld>
             <a:endParaRPr lang="en-GB"/>
           </a:p>
@@ -2366,7 +2453,7 @@
           <a:p>
             <a:fld id="{6524CA52-0208-4CAB-A2DA-224004619860}" type="datetimeFigureOut">
               <a:rPr lang="en-GB" smtClean="0"/>
-              <a:t>10/05/2022</a:t>
+              <a:t>12/05/2022</a:t>
             </a:fld>
             <a:endParaRPr lang="en-GB"/>
           </a:p>
@@ -2508,7 +2595,7 @@
           <a:p>
             <a:fld id="{6524CA52-0208-4CAB-A2DA-224004619860}" type="datetimeFigureOut">
               <a:rPr lang="en-GB" smtClean="0"/>
-              <a:t>10/05/2022</a:t>
+              <a:t>12/05/2022</a:t>
             </a:fld>
             <a:endParaRPr lang="en-GB"/>
           </a:p>
@@ -2621,7 +2708,7 @@
           <a:p>
             <a:fld id="{6524CA52-0208-4CAB-A2DA-224004619860}" type="datetimeFigureOut">
               <a:rPr lang="en-GB" smtClean="0"/>
-              <a:t>10/05/2022</a:t>
+              <a:t>12/05/2022</a:t>
             </a:fld>
             <a:endParaRPr lang="en-GB"/>
           </a:p>
@@ -2934,7 +3021,7 @@
           <a:p>
             <a:fld id="{6524CA52-0208-4CAB-A2DA-224004619860}" type="datetimeFigureOut">
               <a:rPr lang="en-GB" smtClean="0"/>
-              <a:t>10/05/2022</a:t>
+              <a:t>12/05/2022</a:t>
             </a:fld>
             <a:endParaRPr lang="en-GB"/>
           </a:p>
@@ -3223,7 +3310,7 @@
           <a:p>
             <a:fld id="{6524CA52-0208-4CAB-A2DA-224004619860}" type="datetimeFigureOut">
               <a:rPr lang="en-GB" smtClean="0"/>
-              <a:t>10/05/2022</a:t>
+              <a:t>12/05/2022</a:t>
             </a:fld>
             <a:endParaRPr lang="en-GB"/>
           </a:p>
@@ -3466,7 +3553,7 @@
           <a:p>
             <a:fld id="{6524CA52-0208-4CAB-A2DA-224004619860}" type="datetimeFigureOut">
               <a:rPr lang="en-GB" smtClean="0"/>
-              <a:t>10/05/2022</a:t>
+              <a:t>12/05/2022</a:t>
             </a:fld>
             <a:endParaRPr lang="en-GB"/>
           </a:p>
@@ -3939,15 +4026,6 @@
           <a:p>
             <a:r>
               <a:rPr lang="en-GB" dirty="0"/>
-              <a:t>Pearson Education</a:t>
-            </a:r>
-          </a:p>
-          <a:p>
-            <a:endParaRPr lang="en-GB" dirty="0"/>
-          </a:p>
-          <a:p>
-            <a:r>
-              <a:rPr lang="en-GB" dirty="0"/>
               <a:t>By Kang </a:t>
             </a:r>
             <a:r>
@@ -3961,6 +4039,45 @@
           </a:p>
         </p:txBody>
       </p:sp>
+      <p:pic>
+        <p:nvPicPr>
+          <p:cNvPr id="5" name="Graphic 4">
+            <a:extLst>
+              <a:ext uri="{FF2B5EF4-FFF2-40B4-BE49-F238E27FC236}">
+                <a16:creationId xmlns:a16="http://schemas.microsoft.com/office/drawing/2014/main" id="{B1B5B0D0-773A-2DDF-27A1-B04E2F648AB4}"/>
+              </a:ext>
+            </a:extLst>
+          </p:cNvPr>
+          <p:cNvPicPr>
+            <a:picLocks noChangeAspect="1"/>
+          </p:cNvPicPr>
+          <p:nvPr/>
+        </p:nvPicPr>
+        <p:blipFill>
+          <a:blip r:embed="rId2">
+            <a:extLst>
+              <a:ext uri="{28A0092B-C50C-407E-A947-70E740481C1C}">
+                <a14:useLocalDpi xmlns:a14="http://schemas.microsoft.com/office/drawing/2010/main" val="0"/>
+              </a:ext>
+              <a:ext uri="{96DAC541-7B7A-43D3-8B79-37D633B846F1}">
+                <asvg:svgBlip xmlns:asvg="http://schemas.microsoft.com/office/drawing/2016/SVG/main" r:embed="rId3"/>
+              </a:ext>
+            </a:extLst>
+          </a:blip>
+          <a:stretch>
+            <a:fillRect/>
+          </a:stretch>
+        </p:blipFill>
+        <p:spPr>
+          <a:xfrm>
+            <a:off x="3942930" y="5322368"/>
+            <a:ext cx="4306140" cy="1296236"/>
+          </a:xfrm>
+          <a:prstGeom prst="rect">
+            <a:avLst/>
+          </a:prstGeom>
+        </p:spPr>
+      </p:pic>
     </p:spTree>
     <p:extLst>
       <p:ext uri="{BB962C8B-B14F-4D97-AF65-F5344CB8AC3E}">
@@ -4369,34 +4486,6 @@
       </p:grpSpPr>
       <p:sp>
         <p:nvSpPr>
-          <p:cNvPr id="2" name="Title 1">
-            <a:extLst>
-              <a:ext uri="{FF2B5EF4-FFF2-40B4-BE49-F238E27FC236}">
-                <a16:creationId xmlns:a16="http://schemas.microsoft.com/office/drawing/2014/main" id="{63B1594F-9D92-D2FF-04A2-37ACF2A4C94A}"/>
-              </a:ext>
-            </a:extLst>
-          </p:cNvPr>
-          <p:cNvSpPr>
-            <a:spLocks noGrp="1"/>
-          </p:cNvSpPr>
-          <p:nvPr>
-            <p:ph type="title"/>
-          </p:nvPr>
-        </p:nvSpPr>
-        <p:spPr/>
-        <p:txBody>
-          <a:bodyPr/>
-          <a:lstStyle/>
-          <a:p>
-            <a:r>
-              <a:rPr lang="en-GB" dirty="0"/>
-              <a:t>00: Introduction</a:t>
-            </a:r>
-          </a:p>
-        </p:txBody>
-      </p:sp>
-      <p:sp>
-        <p:nvSpPr>
           <p:cNvPr id="3" name="Content Placeholder 2">
             <a:extLst>
               <a:ext uri="{FF2B5EF4-FFF2-40B4-BE49-F238E27FC236}">
@@ -4419,19 +4508,60 @@
         </p:spPr>
         <p:txBody>
           <a:bodyPr>
-            <a:normAutofit fontScale="85000" lnSpcReduction="20000"/>
+            <a:normAutofit fontScale="70000" lnSpcReduction="20000"/>
           </a:bodyPr>
           <a:lstStyle/>
           <a:p>
             <a:r>
               <a:rPr lang="en-GB" dirty="0"/>
-              <a:t>Dataset Format: .xlsx (Excel)</a:t>
+              <a:t>Presentation is separated into 2 parts:</a:t>
             </a:r>
           </a:p>
           <a:p>
             <a:r>
               <a:rPr lang="en-GB" dirty="0"/>
-              <a:t>Software Used for Data Analysis: R / R Studio</a:t>
+              <a:t>01: The Dataset</a:t>
+            </a:r>
+          </a:p>
+          <a:p>
+            <a:r>
+              <a:rPr lang="en-GB" dirty="0"/>
+              <a:t>02: Data Analysis</a:t>
+            </a:r>
+          </a:p>
+          <a:p>
+            <a:r>
+              <a:rPr lang="en-GB" dirty="0"/>
+              <a:t>03: Issue(s) Encountered</a:t>
+            </a:r>
+          </a:p>
+          <a:p>
+            <a:endParaRPr lang="en-GB" dirty="0"/>
+          </a:p>
+          <a:p>
+            <a:r>
+              <a:rPr lang="en-GB" dirty="0"/>
+              <a:t>Dataset Format: .</a:t>
+            </a:r>
+            <a:r>
+              <a:rPr lang="en-GB" i="1" dirty="0"/>
+              <a:t>xlsx</a:t>
+            </a:r>
+            <a:r>
+              <a:rPr lang="en-GB" dirty="0"/>
+              <a:t> (Excel)</a:t>
+            </a:r>
+          </a:p>
+          <a:p>
+            <a:r>
+              <a:rPr lang="en-GB" dirty="0"/>
+              <a:t>Data Processing Language: R </a:t>
+            </a:r>
+          </a:p>
+          <a:p>
+            <a:r>
+              <a:rPr lang="en-GB" dirty="0"/>
+              <a:t>Software for Data Processing: R Studio</a:t>
             </a:r>
           </a:p>
           <a:p>
@@ -4463,30 +4593,6 @@
             <a:endParaRPr lang="en-GB" dirty="0"/>
           </a:p>
           <a:p>
-            <a:r>
-              <a:rPr lang="en-GB" dirty="0"/>
-              <a:t>Presentation is separated into 2 parts:</a:t>
-            </a:r>
-          </a:p>
-          <a:p>
-            <a:r>
-              <a:rPr lang="en-GB" dirty="0"/>
-              <a:t>01: The Dataset</a:t>
-            </a:r>
-          </a:p>
-          <a:p>
-            <a:r>
-              <a:rPr lang="en-GB" dirty="0"/>
-              <a:t>02: Data Analysis</a:t>
-            </a:r>
-          </a:p>
-          <a:p>
-            <a:r>
-              <a:rPr lang="en-GB" dirty="0"/>
-              <a:t>03: Issues Encountered</a:t>
-            </a:r>
-          </a:p>
-          <a:p>
             <a:pPr marL="0" indent="0">
               <a:buNone/>
             </a:pPr>
@@ -4502,7 +4608,7 @@
             </a:r>
             <a:r>
               <a:rPr lang="en-GB" sz="1900" dirty="0">
-                <a:hlinkClick r:id="rId2"/>
+                <a:hlinkClick r:id="rId3"/>
               </a:rPr>
               <a:t>https://github.com/kanghinlee/interview_prep/tree/main/pearson_edu_presentation</a:t>
             </a:r>
@@ -4524,10 +4630,10 @@
       </p:sp>
       <p:pic>
         <p:nvPicPr>
-          <p:cNvPr id="7" name="Picture 6">
-            <a:extLst>
-              <a:ext uri="{FF2B5EF4-FFF2-40B4-BE49-F238E27FC236}">
-                <a16:creationId xmlns:a16="http://schemas.microsoft.com/office/drawing/2014/main" id="{698A4FFA-6D22-E75A-EC44-9D87C65FA0B3}"/>
+          <p:cNvPr id="6" name="Picture 5">
+            <a:extLst>
+              <a:ext uri="{FF2B5EF4-FFF2-40B4-BE49-F238E27FC236}">
+                <a16:creationId xmlns:a16="http://schemas.microsoft.com/office/drawing/2014/main" id="{0D46C3B3-765F-F93E-A80B-DCAF10883E29}"/>
               </a:ext>
             </a:extLst>
           </p:cNvPr>
@@ -4537,51 +4643,55 @@
           <p:nvPr/>
         </p:nvPicPr>
         <p:blipFill>
-          <a:blip r:embed="rId3"/>
+          <a:blip r:embed="rId4">
+            <a:extLst>
+              <a:ext uri="{28A0092B-C50C-407E-A947-70E740481C1C}">
+                <a14:useLocalDpi xmlns:a14="http://schemas.microsoft.com/office/drawing/2010/main" val="0"/>
+              </a:ext>
+            </a:extLst>
+          </a:blip>
           <a:stretch>
             <a:fillRect/>
           </a:stretch>
         </p:blipFill>
         <p:spPr>
           <a:xfrm>
-            <a:off x="8541262" y="2210278"/>
-            <a:ext cx="509475" cy="509475"/>
+            <a:off x="6688227" y="3425793"/>
+            <a:ext cx="2640808" cy="1982130"/>
           </a:xfrm>
           <a:prstGeom prst="rect">
             <a:avLst/>
           </a:prstGeom>
         </p:spPr>
       </p:pic>
-      <p:pic>
-        <p:nvPicPr>
-          <p:cNvPr id="13" name="Picture 12">
-            <a:extLst>
-              <a:ext uri="{FF2B5EF4-FFF2-40B4-BE49-F238E27FC236}">
-                <a16:creationId xmlns:a16="http://schemas.microsoft.com/office/drawing/2014/main" id="{858E44DA-BF63-AEE0-9670-3259672BB75C}"/>
-              </a:ext>
-            </a:extLst>
-          </p:cNvPr>
-          <p:cNvPicPr>
-            <a:picLocks noChangeAspect="1"/>
-          </p:cNvPicPr>
-          <p:nvPr/>
-        </p:nvPicPr>
-        <p:blipFill>
-          <a:blip r:embed="rId4"/>
-          <a:stretch>
-            <a:fillRect/>
-          </a:stretch>
-        </p:blipFill>
-        <p:spPr>
-          <a:xfrm>
-            <a:off x="8951677" y="1588220"/>
-            <a:ext cx="955096" cy="659982"/>
-          </a:xfrm>
-          <a:prstGeom prst="rect">
-            <a:avLst/>
-          </a:prstGeom>
-        </p:spPr>
-      </p:pic>
+      <p:sp>
+        <p:nvSpPr>
+          <p:cNvPr id="2" name="Title 1">
+            <a:extLst>
+              <a:ext uri="{FF2B5EF4-FFF2-40B4-BE49-F238E27FC236}">
+                <a16:creationId xmlns:a16="http://schemas.microsoft.com/office/drawing/2014/main" id="{63B1594F-9D92-D2FF-04A2-37ACF2A4C94A}"/>
+              </a:ext>
+            </a:extLst>
+          </p:cNvPr>
+          <p:cNvSpPr>
+            <a:spLocks noGrp="1"/>
+          </p:cNvSpPr>
+          <p:nvPr>
+            <p:ph type="title"/>
+          </p:nvPr>
+        </p:nvSpPr>
+        <p:spPr/>
+        <p:txBody>
+          <a:bodyPr/>
+          <a:lstStyle/>
+          <a:p>
+            <a:r>
+              <a:rPr lang="en-GB" dirty="0"/>
+              <a:t>00: Introduction</a:t>
+            </a:r>
+          </a:p>
+        </p:txBody>
+      </p:sp>
       <p:pic>
         <p:nvPicPr>
           <p:cNvPr id="5" name="Picture 4">
@@ -4604,8 +4714,8 @@
         </p:blipFill>
         <p:spPr>
           <a:xfrm>
-            <a:off x="8571037" y="1588220"/>
-            <a:ext cx="487121" cy="487121"/>
+            <a:off x="9602069" y="1732409"/>
+            <a:ext cx="1693384" cy="1693384"/>
           </a:xfrm>
           <a:prstGeom prst="rect">
             <a:avLst/>
@@ -4614,10 +4724,10 @@
       </p:pic>
       <p:pic>
         <p:nvPicPr>
-          <p:cNvPr id="17" name="Picture 16">
-            <a:extLst>
-              <a:ext uri="{FF2B5EF4-FFF2-40B4-BE49-F238E27FC236}">
-                <a16:creationId xmlns:a16="http://schemas.microsoft.com/office/drawing/2014/main" id="{03BF900B-D19E-588A-9973-9B4B44CD1FBB}"/>
+          <p:cNvPr id="9" name="Picture 8">
+            <a:extLst>
+              <a:ext uri="{FF2B5EF4-FFF2-40B4-BE49-F238E27FC236}">
+                <a16:creationId xmlns:a16="http://schemas.microsoft.com/office/drawing/2014/main" id="{74AE9D6A-EDCD-5F54-D4BF-250FEC5F704C}"/>
               </a:ext>
             </a:extLst>
           </p:cNvPr>
@@ -4627,15 +4737,21 @@
           <p:nvPr/>
         </p:nvPicPr>
         <p:blipFill>
-          <a:blip r:embed="rId6"/>
+          <a:blip r:embed="rId6">
+            <a:extLst>
+              <a:ext uri="{28A0092B-C50C-407E-A947-70E740481C1C}">
+                <a14:useLocalDpi xmlns:a14="http://schemas.microsoft.com/office/drawing/2010/main" val="0"/>
+              </a:ext>
+            </a:extLst>
+          </a:blip>
           <a:stretch>
             <a:fillRect/>
           </a:stretch>
         </p:blipFill>
         <p:spPr>
           <a:xfrm>
-            <a:off x="8535806" y="2746482"/>
-            <a:ext cx="992479" cy="321139"/>
+            <a:off x="9443059" y="3497183"/>
+            <a:ext cx="1910740" cy="1910740"/>
           </a:xfrm>
           <a:prstGeom prst="rect">
             <a:avLst/>
@@ -4644,10 +4760,10 @@
       </p:pic>
       <p:pic>
         <p:nvPicPr>
-          <p:cNvPr id="19" name="Picture 18">
-            <a:extLst>
-              <a:ext uri="{FF2B5EF4-FFF2-40B4-BE49-F238E27FC236}">
-                <a16:creationId xmlns:a16="http://schemas.microsoft.com/office/drawing/2014/main" id="{A951F0FE-6AAD-43DD-C0F4-B0A028C7B682}"/>
+          <p:cNvPr id="11" name="Picture 10">
+            <a:extLst>
+              <a:ext uri="{FF2B5EF4-FFF2-40B4-BE49-F238E27FC236}">
+                <a16:creationId xmlns:a16="http://schemas.microsoft.com/office/drawing/2014/main" id="{7B9D5175-1B79-5128-0552-2A5E4490415A}"/>
               </a:ext>
             </a:extLst>
           </p:cNvPr>
@@ -4657,15 +4773,21 @@
           <p:nvPr/>
         </p:nvPicPr>
         <p:blipFill>
-          <a:blip r:embed="rId7"/>
+          <a:blip r:embed="rId7">
+            <a:extLst>
+              <a:ext uri="{28A0092B-C50C-407E-A947-70E740481C1C}">
+                <a14:useLocalDpi xmlns:a14="http://schemas.microsoft.com/office/drawing/2010/main" val="0"/>
+              </a:ext>
+            </a:extLst>
+          </a:blip>
           <a:stretch>
             <a:fillRect/>
           </a:stretch>
         </p:blipFill>
         <p:spPr>
           <a:xfrm>
-            <a:off x="8571038" y="3155087"/>
-            <a:ext cx="633572" cy="547826"/>
+            <a:off x="7176107" y="1690688"/>
+            <a:ext cx="1806495" cy="1806495"/>
           </a:xfrm>
           <a:prstGeom prst="rect">
             <a:avLst/>

--- a/pearson_edu_presentation/Pearson_edu_presentation.pptx
+++ b/pearson_edu_presentation/Pearson_edu_presentation.pptx
@@ -5,7 +5,7 @@
     <p:sldMasterId id="2147483648" r:id="rId1"/>
   </p:sldMasterIdLst>
   <p:notesMasterIdLst>
-    <p:notesMasterId r:id="rId14"/>
+    <p:notesMasterId r:id="rId16"/>
   </p:notesMasterIdLst>
   <p:sldIdLst>
     <p:sldId id="256" r:id="rId2"/>
@@ -17,9 +17,11 @@
     <p:sldId id="270" r:id="rId8"/>
     <p:sldId id="263" r:id="rId9"/>
     <p:sldId id="264" r:id="rId10"/>
-    <p:sldId id="266" r:id="rId11"/>
-    <p:sldId id="272" r:id="rId12"/>
-    <p:sldId id="258" r:id="rId13"/>
+    <p:sldId id="273" r:id="rId11"/>
+    <p:sldId id="266" r:id="rId12"/>
+    <p:sldId id="274" r:id="rId13"/>
+    <p:sldId id="272" r:id="rId14"/>
+    <p:sldId id="258" r:id="rId15"/>
   </p:sldIdLst>
   <p:sldSz cx="12192000" cy="6858000"/>
   <p:notesSz cx="6858000" cy="9144000"/>
@@ -607,24 +609,125 @@
           <a:bodyPr/>
           <a:lstStyle/>
           <a:p>
+            <a:endParaRPr lang="en-GB" dirty="0"/>
+          </a:p>
+        </p:txBody>
+      </p:sp>
+      <p:sp>
+        <p:nvSpPr>
+          <p:cNvPr id="4" name="Slide Number Placeholder 3"/>
+          <p:cNvSpPr>
+            <a:spLocks noGrp="1"/>
+          </p:cNvSpPr>
+          <p:nvPr>
+            <p:ph type="sldNum" sz="quarter" idx="5"/>
+          </p:nvPr>
+        </p:nvSpPr>
+        <p:spPr/>
+        <p:txBody>
+          <a:bodyPr/>
+          <a:lstStyle/>
+          <a:p>
+            <a:fld id="{513C6D55-176F-43A3-BF44-93976FFCC241}" type="slidenum">
+              <a:rPr lang="en-GB" smtClean="0"/>
+              <a:t>5</a:t>
+            </a:fld>
+            <a:endParaRPr lang="en-GB"/>
+          </a:p>
+        </p:txBody>
+      </p:sp>
+    </p:spTree>
+    <p:extLst>
+      <p:ext uri="{BB962C8B-B14F-4D97-AF65-F5344CB8AC3E}">
+        <p14:creationId xmlns:p14="http://schemas.microsoft.com/office/powerpoint/2010/main" val="3821326550"/>
+      </p:ext>
+    </p:extLst>
+  </p:cSld>
+  <p:clrMapOvr>
+    <a:masterClrMapping/>
+  </p:clrMapOvr>
+</p:notes>
+</file>
+
+<file path=ppt/notesSlides/notesSlide3.xml><?xml version="1.0" encoding="utf-8"?>
+<p:notes xmlns:a="http://schemas.openxmlformats.org/drawingml/2006/main" xmlns:r="http://schemas.openxmlformats.org/officeDocument/2006/relationships" xmlns:p="http://schemas.openxmlformats.org/presentationml/2006/main">
+  <p:cSld>
+    <p:spTree>
+      <p:nvGrpSpPr>
+        <p:cNvPr id="1" name=""/>
+        <p:cNvGrpSpPr/>
+        <p:nvPr/>
+      </p:nvGrpSpPr>
+      <p:grpSpPr>
+        <a:xfrm>
+          <a:off x="0" y="0"/>
+          <a:ext cx="0" cy="0"/>
+          <a:chOff x="0" y="0"/>
+          <a:chExt cx="0" cy="0"/>
+        </a:xfrm>
+      </p:grpSpPr>
+      <p:sp>
+        <p:nvSpPr>
+          <p:cNvPr id="2" name="Slide Image Placeholder 1"/>
+          <p:cNvSpPr>
+            <a:spLocks noGrp="1" noRot="1" noChangeAspect="1"/>
+          </p:cNvSpPr>
+          <p:nvPr>
+            <p:ph type="sldImg"/>
+          </p:nvPr>
+        </p:nvSpPr>
+        <p:spPr/>
+      </p:sp>
+      <p:sp>
+        <p:nvSpPr>
+          <p:cNvPr id="3" name="Notes Placeholder 2"/>
+          <p:cNvSpPr>
+            <a:spLocks noGrp="1"/>
+          </p:cNvSpPr>
+          <p:nvPr>
+            <p:ph type="body" idx="1"/>
+          </p:nvPr>
+        </p:nvSpPr>
+        <p:spPr/>
+        <p:txBody>
+          <a:bodyPr/>
+          <a:lstStyle/>
+          <a:p>
             <a:r>
               <a:rPr lang="en-GB" sz="1200" dirty="0"/>
               <a:t>6518 records in total</a:t>
             </a:r>
           </a:p>
           <a:p>
-            <a:r>
-              <a:rPr lang="en-GB" sz="1200" dirty="0"/>
-              <a:t>13 Award Titles</a:t>
-            </a:r>
-          </a:p>
-          <a:p>
+            <a:pPr marL="0" marR="0" lvl="0" indent="0" algn="l" defTabSz="914400" rtl="0" eaLnBrk="1" fontAlgn="auto" latinLnBrk="0" hangingPunct="1">
+              <a:lnSpc>
+                <a:spcPct val="100000"/>
+              </a:lnSpc>
+              <a:spcBef>
+                <a:spcPts val="0"/>
+              </a:spcBef>
+              <a:spcAft>
+                <a:spcPts val="0"/>
+              </a:spcAft>
+              <a:buClrTx/>
+              <a:buSzTx/>
+              <a:buFontTx/>
+              <a:buNone/>
+              <a:tabLst/>
+              <a:defRPr/>
+            </a:pPr>
             <a:r>
               <a:rPr lang="en-GB" sz="1200" dirty="0"/>
               <a:t>1243 Schools</a:t>
             </a:r>
           </a:p>
           <a:p>
+            <a:r>
+              <a:rPr lang="en-GB" sz="1200" dirty="0"/>
+              <a:t>16 Unit Codes with 13 Award Titles</a:t>
+            </a:r>
+          </a:p>
+          <a:p>
             <a:endParaRPr lang="en-GB" sz="1200" dirty="0"/>
           </a:p>
           <a:p>
@@ -638,6 +741,9 @@
               <a:rPr lang="en-GB" sz="1200" dirty="0"/>
               <a:t>1290 candidates missing grade</a:t>
             </a:r>
+          </a:p>
+          <a:p>
+            <a:endParaRPr lang="en-GB" sz="1200" dirty="0"/>
           </a:p>
           <a:p>
             <a:endParaRPr lang="en-GB" sz="1200" dirty="0"/>
@@ -726,6 +832,194 @@
     <p:extLst>
       <p:ext uri="{BB962C8B-B14F-4D97-AF65-F5344CB8AC3E}">
         <p14:creationId xmlns:p14="http://schemas.microsoft.com/office/powerpoint/2010/main" val="1117103243"/>
+      </p:ext>
+    </p:extLst>
+  </p:cSld>
+  <p:clrMapOvr>
+    <a:masterClrMapping/>
+  </p:clrMapOvr>
+</p:notes>
+</file>
+
+<file path=ppt/notesSlides/notesSlide4.xml><?xml version="1.0" encoding="utf-8"?>
+<p:notes xmlns:a="http://schemas.openxmlformats.org/drawingml/2006/main" xmlns:r="http://schemas.openxmlformats.org/officeDocument/2006/relationships" xmlns:p="http://schemas.openxmlformats.org/presentationml/2006/main">
+  <p:cSld>
+    <p:spTree>
+      <p:nvGrpSpPr>
+        <p:cNvPr id="1" name=""/>
+        <p:cNvGrpSpPr/>
+        <p:nvPr/>
+      </p:nvGrpSpPr>
+      <p:grpSpPr>
+        <a:xfrm>
+          <a:off x="0" y="0"/>
+          <a:ext cx="0" cy="0"/>
+          <a:chOff x="0" y="0"/>
+          <a:chExt cx="0" cy="0"/>
+        </a:xfrm>
+      </p:grpSpPr>
+      <p:sp>
+        <p:nvSpPr>
+          <p:cNvPr id="2" name="Slide Image Placeholder 1"/>
+          <p:cNvSpPr>
+            <a:spLocks noGrp="1" noRot="1" noChangeAspect="1"/>
+          </p:cNvSpPr>
+          <p:nvPr>
+            <p:ph type="sldImg"/>
+          </p:nvPr>
+        </p:nvSpPr>
+        <p:spPr/>
+      </p:sp>
+      <p:sp>
+        <p:nvSpPr>
+          <p:cNvPr id="3" name="Notes Placeholder 2"/>
+          <p:cNvSpPr>
+            <a:spLocks noGrp="1"/>
+          </p:cNvSpPr>
+          <p:nvPr>
+            <p:ph type="body" idx="1"/>
+          </p:nvPr>
+        </p:nvSpPr>
+        <p:spPr/>
+        <p:txBody>
+          <a:bodyPr/>
+          <a:lstStyle/>
+          <a:p>
+            <a:r>
+              <a:rPr lang="en-GB" dirty="0"/>
+              <a:t>Instead of summarised them via unit codes, I have summarised them via </a:t>
+            </a:r>
+            <a:r>
+              <a:rPr lang="en-GB" dirty="0" err="1"/>
+              <a:t>award_title</a:t>
+            </a:r>
+            <a:endParaRPr lang="en-GB" dirty="0"/>
+          </a:p>
+          <a:p>
+            <a:r>
+              <a:rPr lang="en-GB" dirty="0"/>
+              <a:t>Removed 1290 Missing Grades</a:t>
+            </a:r>
+          </a:p>
+          <a:p>
+            <a:endParaRPr lang="en-GB" dirty="0"/>
+          </a:p>
+        </p:txBody>
+      </p:sp>
+      <p:sp>
+        <p:nvSpPr>
+          <p:cNvPr id="4" name="Slide Number Placeholder 3"/>
+          <p:cNvSpPr>
+            <a:spLocks noGrp="1"/>
+          </p:cNvSpPr>
+          <p:nvPr>
+            <p:ph type="sldNum" sz="quarter" idx="5"/>
+          </p:nvPr>
+        </p:nvSpPr>
+        <p:spPr/>
+        <p:txBody>
+          <a:bodyPr/>
+          <a:lstStyle/>
+          <a:p>
+            <a:fld id="{513C6D55-176F-43A3-BF44-93976FFCC241}" type="slidenum">
+              <a:rPr lang="en-GB" smtClean="0"/>
+              <a:t>8</a:t>
+            </a:fld>
+            <a:endParaRPr lang="en-GB"/>
+          </a:p>
+        </p:txBody>
+      </p:sp>
+    </p:spTree>
+    <p:extLst>
+      <p:ext uri="{BB962C8B-B14F-4D97-AF65-F5344CB8AC3E}">
+        <p14:creationId xmlns:p14="http://schemas.microsoft.com/office/powerpoint/2010/main" val="2044174111"/>
+      </p:ext>
+    </p:extLst>
+  </p:cSld>
+  <p:clrMapOvr>
+    <a:masterClrMapping/>
+  </p:clrMapOvr>
+</p:notes>
+</file>
+
+<file path=ppt/notesSlides/notesSlide5.xml><?xml version="1.0" encoding="utf-8"?>
+<p:notes xmlns:a="http://schemas.openxmlformats.org/drawingml/2006/main" xmlns:r="http://schemas.openxmlformats.org/officeDocument/2006/relationships" xmlns:p="http://schemas.openxmlformats.org/presentationml/2006/main">
+  <p:cSld>
+    <p:spTree>
+      <p:nvGrpSpPr>
+        <p:cNvPr id="1" name=""/>
+        <p:cNvGrpSpPr/>
+        <p:nvPr/>
+      </p:nvGrpSpPr>
+      <p:grpSpPr>
+        <a:xfrm>
+          <a:off x="0" y="0"/>
+          <a:ext cx="0" cy="0"/>
+          <a:chOff x="0" y="0"/>
+          <a:chExt cx="0" cy="0"/>
+        </a:xfrm>
+      </p:grpSpPr>
+      <p:sp>
+        <p:nvSpPr>
+          <p:cNvPr id="2" name="Slide Image Placeholder 1"/>
+          <p:cNvSpPr>
+            <a:spLocks noGrp="1" noRot="1" noChangeAspect="1"/>
+          </p:cNvSpPr>
+          <p:nvPr>
+            <p:ph type="sldImg"/>
+          </p:nvPr>
+        </p:nvSpPr>
+        <p:spPr/>
+      </p:sp>
+      <p:sp>
+        <p:nvSpPr>
+          <p:cNvPr id="3" name="Notes Placeholder 2"/>
+          <p:cNvSpPr>
+            <a:spLocks noGrp="1"/>
+          </p:cNvSpPr>
+          <p:nvPr>
+            <p:ph type="body" idx="1"/>
+          </p:nvPr>
+        </p:nvSpPr>
+        <p:spPr/>
+        <p:txBody>
+          <a:bodyPr/>
+          <a:lstStyle/>
+          <a:p>
+            <a:r>
+              <a:rPr lang="en-GB" dirty="0"/>
+              <a:t>Art, has the highest Pass &amp; top score rate,  missing grades</a:t>
+            </a:r>
+          </a:p>
+        </p:txBody>
+      </p:sp>
+      <p:sp>
+        <p:nvSpPr>
+          <p:cNvPr id="4" name="Slide Number Placeholder 3"/>
+          <p:cNvSpPr>
+            <a:spLocks noGrp="1"/>
+          </p:cNvSpPr>
+          <p:nvPr>
+            <p:ph type="sldNum" sz="quarter" idx="5"/>
+          </p:nvPr>
+        </p:nvSpPr>
+        <p:spPr/>
+        <p:txBody>
+          <a:bodyPr/>
+          <a:lstStyle/>
+          <a:p>
+            <a:fld id="{513C6D55-176F-43A3-BF44-93976FFCC241}" type="slidenum">
+              <a:rPr lang="en-GB" smtClean="0"/>
+              <a:t>10</a:t>
+            </a:fld>
+            <a:endParaRPr lang="en-GB"/>
+          </a:p>
+        </p:txBody>
+      </p:sp>
+    </p:spTree>
+    <p:extLst>
+      <p:ext uri="{BB962C8B-B14F-4D97-AF65-F5344CB8AC3E}">
+        <p14:creationId xmlns:p14="http://schemas.microsoft.com/office/powerpoint/2010/main" val="2432850159"/>
       </p:ext>
     </p:extLst>
   </p:cSld>
@@ -3986,7 +4280,12 @@
             <p:ph type="ctrTitle"/>
           </p:nvPr>
         </p:nvSpPr>
-        <p:spPr/>
+        <p:spPr>
+          <a:xfrm>
+            <a:off x="1524000" y="824761"/>
+            <a:ext cx="9144000" cy="2387600"/>
+          </a:xfrm>
+        </p:spPr>
         <p:txBody>
           <a:bodyPr/>
           <a:lstStyle/>
@@ -4016,7 +4315,7 @@
         </p:nvSpPr>
         <p:spPr>
           <a:xfrm>
-            <a:off x="1524000" y="3729359"/>
+            <a:off x="1524000" y="3431757"/>
             <a:ext cx="9144000" cy="1655762"/>
           </a:xfrm>
         </p:spPr>
@@ -4070,7 +4369,7 @@
         </p:blipFill>
         <p:spPr>
           <a:xfrm>
-            <a:off x="3942930" y="5322368"/>
+            <a:off x="3942930" y="5087519"/>
             <a:ext cx="4306140" cy="1296236"/>
           </a:xfrm>
           <a:prstGeom prst="rect">
@@ -4113,7 +4412,7 @@
           <p:cNvPr id="2" name="Title 1">
             <a:extLst>
               <a:ext uri="{FF2B5EF4-FFF2-40B4-BE49-F238E27FC236}">
-                <a16:creationId xmlns:a16="http://schemas.microsoft.com/office/drawing/2014/main" id="{45B05908-9B1C-4897-B27E-F23BFAE760F3}"/>
+                <a16:creationId xmlns:a16="http://schemas.microsoft.com/office/drawing/2014/main" id="{20720FAF-70D6-1252-126D-E1023006989A}"/>
               </a:ext>
             </a:extLst>
           </p:cNvPr>
@@ -4126,26 +4425,325 @@
         </p:nvSpPr>
         <p:spPr>
           <a:xfrm>
-            <a:off x="838200" y="2766218"/>
-            <a:ext cx="10515600" cy="1325563"/>
+            <a:off x="472440" y="1312554"/>
+            <a:ext cx="4821936" cy="518466"/>
           </a:xfrm>
         </p:spPr>
         <p:txBody>
-          <a:bodyPr/>
-          <a:lstStyle/>
-          <a:p>
-            <a:pPr algn="ctr"/>
+          <a:bodyPr>
+            <a:normAutofit fontScale="90000"/>
+          </a:bodyPr>
+          <a:lstStyle/>
+          <a:p>
+            <a:r>
+              <a:rPr lang="en-GB" sz="3200" dirty="0"/>
+              <a:t>Data Analysis Pass Rate (%)</a:t>
+            </a:r>
+          </a:p>
+        </p:txBody>
+      </p:sp>
+      <p:pic>
+        <p:nvPicPr>
+          <p:cNvPr id="7" name="Picture 6">
+            <a:extLst>
+              <a:ext uri="{FF2B5EF4-FFF2-40B4-BE49-F238E27FC236}">
+                <a16:creationId xmlns:a16="http://schemas.microsoft.com/office/drawing/2014/main" id="{45A7A493-0570-5AA7-E5D3-85564F8BDBE6}"/>
+              </a:ext>
+            </a:extLst>
+          </p:cNvPr>
+          <p:cNvPicPr>
+            <a:picLocks noChangeAspect="1"/>
+          </p:cNvPicPr>
+          <p:nvPr/>
+        </p:nvPicPr>
+        <p:blipFill>
+          <a:blip r:embed="rId3"/>
+          <a:stretch>
+            <a:fillRect/>
+          </a:stretch>
+        </p:blipFill>
+        <p:spPr>
+          <a:xfrm>
+            <a:off x="472440" y="1879714"/>
+            <a:ext cx="4821936" cy="4593191"/>
+          </a:xfrm>
+          <a:prstGeom prst="rect">
+            <a:avLst/>
+          </a:prstGeom>
+        </p:spPr>
+      </p:pic>
+      <p:pic>
+        <p:nvPicPr>
+          <p:cNvPr id="10" name="Picture 9">
+            <a:extLst>
+              <a:ext uri="{FF2B5EF4-FFF2-40B4-BE49-F238E27FC236}">
+                <a16:creationId xmlns:a16="http://schemas.microsoft.com/office/drawing/2014/main" id="{2186C53B-D23F-463C-A981-3EEA6E091EA6}"/>
+              </a:ext>
+            </a:extLst>
+          </p:cNvPr>
+          <p:cNvPicPr>
+            <a:picLocks noChangeAspect="1"/>
+          </p:cNvPicPr>
+          <p:nvPr/>
+        </p:nvPicPr>
+        <p:blipFill>
+          <a:blip r:embed="rId4"/>
+          <a:stretch>
+            <a:fillRect/>
+          </a:stretch>
+        </p:blipFill>
+        <p:spPr>
+          <a:xfrm>
+            <a:off x="6096001" y="1879714"/>
+            <a:ext cx="5257800" cy="4583730"/>
+          </a:xfrm>
+          <a:prstGeom prst="rect">
+            <a:avLst/>
+          </a:prstGeom>
+        </p:spPr>
+      </p:pic>
+      <p:sp>
+        <p:nvSpPr>
+          <p:cNvPr id="11" name="Title 1">
+            <a:extLst>
+              <a:ext uri="{FF2B5EF4-FFF2-40B4-BE49-F238E27FC236}">
+                <a16:creationId xmlns:a16="http://schemas.microsoft.com/office/drawing/2014/main" id="{B145D979-5A22-5FF4-79ED-71B671980A12}"/>
+              </a:ext>
+            </a:extLst>
+          </p:cNvPr>
+          <p:cNvSpPr txBox="1">
+            <a:spLocks/>
+          </p:cNvSpPr>
+          <p:nvPr/>
+        </p:nvSpPr>
+        <p:spPr>
+          <a:xfrm>
+            <a:off x="6096000" y="1312554"/>
+            <a:ext cx="5257800" cy="518466"/>
+          </a:xfrm>
+          <a:prstGeom prst="rect">
+            <a:avLst/>
+          </a:prstGeom>
+        </p:spPr>
+        <p:txBody>
+          <a:bodyPr vert="horz" lIns="91440" tIns="45720" rIns="91440" bIns="45720" rtlCol="0" anchor="ctr">
+            <a:normAutofit/>
+          </a:bodyPr>
+          <a:lstStyle>
+            <a:lvl1pPr algn="l" defTabSz="914400" rtl="0" eaLnBrk="1" latinLnBrk="0" hangingPunct="1">
+              <a:lnSpc>
+                <a:spcPct val="90000"/>
+              </a:lnSpc>
+              <a:spcBef>
+                <a:spcPct val="0"/>
+              </a:spcBef>
+              <a:buNone/>
+              <a:defRPr sz="4400" kern="1200">
+                <a:solidFill>
+                  <a:schemeClr val="tx1"/>
+                </a:solidFill>
+                <a:latin typeface="+mj-lt"/>
+                <a:ea typeface="+mj-ea"/>
+                <a:cs typeface="+mj-cs"/>
+              </a:defRPr>
+            </a:lvl1pPr>
+          </a:lstStyle>
+          <a:p>
+            <a:r>
+              <a:rPr lang="en-GB" sz="2900" dirty="0"/>
+              <a:t>Data Analysis Top Score Rate (%)</a:t>
+            </a:r>
+          </a:p>
+        </p:txBody>
+      </p:sp>
+      <p:sp>
+        <p:nvSpPr>
+          <p:cNvPr id="12" name="Title 1">
+            <a:extLst>
+              <a:ext uri="{FF2B5EF4-FFF2-40B4-BE49-F238E27FC236}">
+                <a16:creationId xmlns:a16="http://schemas.microsoft.com/office/drawing/2014/main" id="{992804A1-EC09-FDD1-5D37-FDB3B92D6192}"/>
+              </a:ext>
+            </a:extLst>
+          </p:cNvPr>
+          <p:cNvSpPr txBox="1">
+            <a:spLocks/>
+          </p:cNvSpPr>
+          <p:nvPr/>
+        </p:nvSpPr>
+        <p:spPr>
+          <a:xfrm>
+            <a:off x="472440" y="84179"/>
+            <a:ext cx="10515600" cy="1017636"/>
+          </a:xfrm>
+          <a:prstGeom prst="rect">
+            <a:avLst/>
+          </a:prstGeom>
+        </p:spPr>
+        <p:txBody>
+          <a:bodyPr vert="horz" lIns="91440" tIns="45720" rIns="91440" bIns="45720" rtlCol="0" anchor="ctr">
+            <a:normAutofit/>
+          </a:bodyPr>
+          <a:lstStyle>
+            <a:lvl1pPr algn="l" defTabSz="914400" rtl="0" eaLnBrk="1" latinLnBrk="0" hangingPunct="1">
+              <a:lnSpc>
+                <a:spcPct val="90000"/>
+              </a:lnSpc>
+              <a:spcBef>
+                <a:spcPct val="0"/>
+              </a:spcBef>
+              <a:buNone/>
+              <a:defRPr sz="4400" kern="1200">
+                <a:solidFill>
+                  <a:schemeClr val="tx1"/>
+                </a:solidFill>
+                <a:latin typeface="+mj-lt"/>
+                <a:ea typeface="+mj-ea"/>
+                <a:cs typeface="+mj-cs"/>
+              </a:defRPr>
+            </a:lvl1pPr>
+          </a:lstStyle>
+          <a:p>
             <a:r>
               <a:rPr lang="en-GB" dirty="0"/>
-              <a:t>03: Any Issues Encountered?</a:t>
-            </a:r>
-          </a:p>
-        </p:txBody>
-      </p:sp>
+              <a:t>02: Data Analysis: Pass &amp; Top Score Rate</a:t>
+            </a:r>
+          </a:p>
+        </p:txBody>
+      </p:sp>
+      <p:cxnSp>
+        <p:nvCxnSpPr>
+          <p:cNvPr id="4" name="Straight Arrow Connector 3">
+            <a:extLst>
+              <a:ext uri="{FF2B5EF4-FFF2-40B4-BE49-F238E27FC236}">
+                <a16:creationId xmlns:a16="http://schemas.microsoft.com/office/drawing/2014/main" id="{F5CFD8DE-3A30-0F65-857B-AA5DF8E0BF72}"/>
+              </a:ext>
+            </a:extLst>
+          </p:cNvPr>
+          <p:cNvCxnSpPr>
+            <a:cxnSpLocks/>
+          </p:cNvCxnSpPr>
+          <p:nvPr/>
+        </p:nvCxnSpPr>
+        <p:spPr>
+          <a:xfrm>
+            <a:off x="5294376" y="2853732"/>
+            <a:ext cx="1227004" cy="3034602"/>
+          </a:xfrm>
+          <a:prstGeom prst="straightConnector1">
+            <a:avLst/>
+          </a:prstGeom>
+          <a:ln w="28575">
+            <a:solidFill>
+              <a:srgbClr val="FF0000"/>
+            </a:solidFill>
+            <a:tailEnd type="triangle"/>
+          </a:ln>
+        </p:spPr>
+        <p:style>
+          <a:lnRef idx="1">
+            <a:schemeClr val="accent1"/>
+          </a:lnRef>
+          <a:fillRef idx="0">
+            <a:schemeClr val="accent1"/>
+          </a:fillRef>
+          <a:effectRef idx="0">
+            <a:schemeClr val="accent1"/>
+          </a:effectRef>
+          <a:fontRef idx="minor">
+            <a:schemeClr val="tx1"/>
+          </a:fontRef>
+        </p:style>
+      </p:cxnSp>
+      <p:cxnSp>
+        <p:nvCxnSpPr>
+          <p:cNvPr id="6" name="Straight Arrow Connector 5">
+            <a:extLst>
+              <a:ext uri="{FF2B5EF4-FFF2-40B4-BE49-F238E27FC236}">
+                <a16:creationId xmlns:a16="http://schemas.microsoft.com/office/drawing/2014/main" id="{9E3F30BC-EB49-139B-1CC3-CF8A25F5E520}"/>
+              </a:ext>
+            </a:extLst>
+          </p:cNvPr>
+          <p:cNvCxnSpPr/>
+          <p:nvPr/>
+        </p:nvCxnSpPr>
+        <p:spPr>
+          <a:xfrm>
+            <a:off x="5294376" y="3305908"/>
+            <a:ext cx="1227004" cy="2160395"/>
+          </a:xfrm>
+          <a:prstGeom prst="straightConnector1">
+            <a:avLst/>
+          </a:prstGeom>
+          <a:ln w="28575">
+            <a:solidFill>
+              <a:srgbClr val="FF0000"/>
+            </a:solidFill>
+            <a:tailEnd type="triangle"/>
+          </a:ln>
+        </p:spPr>
+        <p:style>
+          <a:lnRef idx="1">
+            <a:schemeClr val="accent1"/>
+          </a:lnRef>
+          <a:fillRef idx="0">
+            <a:schemeClr val="accent1"/>
+          </a:fillRef>
+          <a:effectRef idx="0">
+            <a:schemeClr val="accent1"/>
+          </a:effectRef>
+          <a:fontRef idx="minor">
+            <a:schemeClr val="tx1"/>
+          </a:fontRef>
+        </p:style>
+      </p:cxnSp>
+      <p:cxnSp>
+        <p:nvCxnSpPr>
+          <p:cNvPr id="21" name="Straight Arrow Connector 20">
+            <a:extLst>
+              <a:ext uri="{FF2B5EF4-FFF2-40B4-BE49-F238E27FC236}">
+                <a16:creationId xmlns:a16="http://schemas.microsoft.com/office/drawing/2014/main" id="{663DB105-7C8F-782A-7BB6-A3D2B0E73F04}"/>
+              </a:ext>
+            </a:extLst>
+          </p:cNvPr>
+          <p:cNvCxnSpPr>
+            <a:cxnSpLocks/>
+          </p:cNvCxnSpPr>
+          <p:nvPr/>
+        </p:nvCxnSpPr>
+        <p:spPr>
+          <a:xfrm flipV="1">
+            <a:off x="5294376" y="2853732"/>
+            <a:ext cx="1227004" cy="3486778"/>
+          </a:xfrm>
+          <a:prstGeom prst="straightConnector1">
+            <a:avLst/>
+          </a:prstGeom>
+          <a:ln w="28575">
+            <a:solidFill>
+              <a:srgbClr val="00B050"/>
+            </a:solidFill>
+            <a:tailEnd type="triangle"/>
+          </a:ln>
+        </p:spPr>
+        <p:style>
+          <a:lnRef idx="1">
+            <a:schemeClr val="accent1"/>
+          </a:lnRef>
+          <a:fillRef idx="0">
+            <a:schemeClr val="accent1"/>
+          </a:fillRef>
+          <a:effectRef idx="0">
+            <a:schemeClr val="accent1"/>
+          </a:effectRef>
+          <a:fontRef idx="minor">
+            <a:schemeClr val="tx1"/>
+          </a:fontRef>
+        </p:style>
+      </p:cxnSp>
     </p:spTree>
     <p:extLst>
       <p:ext uri="{BB962C8B-B14F-4D97-AF65-F5344CB8AC3E}">
-        <p14:creationId xmlns:p14="http://schemas.microsoft.com/office/powerpoint/2010/main" val="3716261586"/>
+        <p14:creationId xmlns:p14="http://schemas.microsoft.com/office/powerpoint/2010/main" val="363690332"/>
       </p:ext>
     </p:extLst>
   </p:cSld>
@@ -4201,6 +4799,135 @@
             <a:pPr algn="ctr"/>
             <a:r>
               <a:rPr lang="en-GB" dirty="0"/>
+              <a:t>03: Any Issues Encountered?</a:t>
+            </a:r>
+          </a:p>
+        </p:txBody>
+      </p:sp>
+    </p:spTree>
+    <p:extLst>
+      <p:ext uri="{BB962C8B-B14F-4D97-AF65-F5344CB8AC3E}">
+        <p14:creationId xmlns:p14="http://schemas.microsoft.com/office/powerpoint/2010/main" val="3716261586"/>
+      </p:ext>
+    </p:extLst>
+  </p:cSld>
+  <p:clrMapOvr>
+    <a:masterClrMapping/>
+  </p:clrMapOvr>
+</p:sld>
+</file>
+
+<file path=ppt/slides/slide12.xml><?xml version="1.0" encoding="utf-8"?>
+<p:sld xmlns:a="http://schemas.openxmlformats.org/drawingml/2006/main" xmlns:r="http://schemas.openxmlformats.org/officeDocument/2006/relationships" xmlns:p="http://schemas.openxmlformats.org/presentationml/2006/main">
+  <p:cSld>
+    <p:spTree>
+      <p:nvGrpSpPr>
+        <p:cNvPr id="1" name=""/>
+        <p:cNvGrpSpPr/>
+        <p:nvPr/>
+      </p:nvGrpSpPr>
+      <p:grpSpPr>
+        <a:xfrm>
+          <a:off x="0" y="0"/>
+          <a:ext cx="0" cy="0"/>
+          <a:chOff x="0" y="0"/>
+          <a:chExt cx="0" cy="0"/>
+        </a:xfrm>
+      </p:grpSpPr>
+      <p:sp>
+        <p:nvSpPr>
+          <p:cNvPr id="2" name="Title 1">
+            <a:extLst>
+              <a:ext uri="{FF2B5EF4-FFF2-40B4-BE49-F238E27FC236}">
+                <a16:creationId xmlns:a16="http://schemas.microsoft.com/office/drawing/2014/main" id="{45B05908-9B1C-4897-B27E-F23BFAE760F3}"/>
+              </a:ext>
+            </a:extLst>
+          </p:cNvPr>
+          <p:cNvSpPr>
+            <a:spLocks noGrp="1"/>
+          </p:cNvSpPr>
+          <p:nvPr>
+            <p:ph type="title"/>
+          </p:nvPr>
+        </p:nvSpPr>
+        <p:spPr>
+          <a:xfrm>
+            <a:off x="838200" y="2766218"/>
+            <a:ext cx="10515600" cy="1325563"/>
+          </a:xfrm>
+        </p:spPr>
+        <p:txBody>
+          <a:bodyPr/>
+          <a:lstStyle/>
+          <a:p>
+            <a:pPr algn="ctr"/>
+            <a:r>
+              <a:rPr lang="en-GB"/>
+              <a:t>Any Questions?</a:t>
+            </a:r>
+            <a:endParaRPr lang="en-GB" dirty="0"/>
+          </a:p>
+        </p:txBody>
+      </p:sp>
+    </p:spTree>
+    <p:extLst>
+      <p:ext uri="{BB962C8B-B14F-4D97-AF65-F5344CB8AC3E}">
+        <p14:creationId xmlns:p14="http://schemas.microsoft.com/office/powerpoint/2010/main" val="2284022464"/>
+      </p:ext>
+    </p:extLst>
+  </p:cSld>
+  <p:clrMapOvr>
+    <a:masterClrMapping/>
+  </p:clrMapOvr>
+</p:sld>
+</file>
+
+<file path=ppt/slides/slide13.xml><?xml version="1.0" encoding="utf-8"?>
+<p:sld xmlns:a="http://schemas.openxmlformats.org/drawingml/2006/main" xmlns:r="http://schemas.openxmlformats.org/officeDocument/2006/relationships" xmlns:p="http://schemas.openxmlformats.org/presentationml/2006/main">
+  <p:cSld>
+    <p:spTree>
+      <p:nvGrpSpPr>
+        <p:cNvPr id="1" name=""/>
+        <p:cNvGrpSpPr/>
+        <p:nvPr/>
+      </p:nvGrpSpPr>
+      <p:grpSpPr>
+        <a:xfrm>
+          <a:off x="0" y="0"/>
+          <a:ext cx="0" cy="0"/>
+          <a:chOff x="0" y="0"/>
+          <a:chExt cx="0" cy="0"/>
+        </a:xfrm>
+      </p:grpSpPr>
+      <p:sp>
+        <p:nvSpPr>
+          <p:cNvPr id="2" name="Title 1">
+            <a:extLst>
+              <a:ext uri="{FF2B5EF4-FFF2-40B4-BE49-F238E27FC236}">
+                <a16:creationId xmlns:a16="http://schemas.microsoft.com/office/drawing/2014/main" id="{45B05908-9B1C-4897-B27E-F23BFAE760F3}"/>
+              </a:ext>
+            </a:extLst>
+          </p:cNvPr>
+          <p:cNvSpPr>
+            <a:spLocks noGrp="1"/>
+          </p:cNvSpPr>
+          <p:nvPr>
+            <p:ph type="title"/>
+          </p:nvPr>
+        </p:nvSpPr>
+        <p:spPr>
+          <a:xfrm>
+            <a:off x="838200" y="2766218"/>
+            <a:ext cx="10515600" cy="1325563"/>
+          </a:xfrm>
+        </p:spPr>
+        <p:txBody>
+          <a:bodyPr/>
+          <a:lstStyle/>
+          <a:p>
+            <a:pPr algn="ctr"/>
+            <a:r>
+              <a:rPr lang="en-GB" dirty="0"/>
               <a:t>The End</a:t>
             </a:r>
           </a:p>
@@ -4219,7 +4946,7 @@
 </p:sld>
 </file>
 
-<file path=ppt/slides/slide12.xml><?xml version="1.0" encoding="utf-8"?>
+<file path=ppt/slides/slide14.xml><?xml version="1.0" encoding="utf-8"?>
 <p:sld xmlns:a="http://schemas.openxmlformats.org/drawingml/2006/main" xmlns:r="http://schemas.openxmlformats.org/officeDocument/2006/relationships" xmlns:p="http://schemas.openxmlformats.org/presentationml/2006/main">
   <p:cSld>
     <p:spTree>
@@ -4514,7 +5241,7 @@
           <a:p>
             <a:r>
               <a:rPr lang="en-GB" dirty="0"/>
-              <a:t>Presentation is separated into 2 parts:</a:t>
+              <a:t>Presentation is separated into 3 parts:</a:t>
             </a:r>
           </a:p>
           <a:p>
@@ -4567,6 +5294,17 @@
           <a:p>
             <a:r>
               <a:rPr lang="en-GB" dirty="0"/>
+              <a:t>Presentation: </a:t>
+            </a:r>
+            <a:r>
+              <a:rPr lang="en-GB" dirty="0" err="1"/>
+              <a:t>Powerpoint</a:t>
+            </a:r>
+            <a:endParaRPr lang="en-GB" dirty="0"/>
+          </a:p>
+          <a:p>
+            <a:r>
+              <a:rPr lang="en-GB" dirty="0"/>
               <a:t>Control Version: </a:t>
             </a:r>
             <a:r>
@@ -4577,17 +5315,6 @@
               <a:rPr lang="en-GB" dirty="0"/>
               <a:t> </a:t>
             </a:r>
-          </a:p>
-          <a:p>
-            <a:r>
-              <a:rPr lang="en-GB" dirty="0"/>
-              <a:t>Presentation: </a:t>
-            </a:r>
-            <a:r>
-              <a:rPr lang="en-GB" dirty="0" err="1"/>
-              <a:t>Powerpoint</a:t>
-            </a:r>
-            <a:endParaRPr lang="en-GB" dirty="0"/>
           </a:p>
           <a:p>
             <a:endParaRPr lang="en-GB" dirty="0"/>
@@ -4930,7 +5657,7 @@
           <a:p>
             <a:r>
               <a:rPr lang="en-GB" dirty="0"/>
-              <a:t>01: Dataset: BTEC Tech Awards (June 2020)</a:t>
+              <a:t>01: Dataset: BTEC Tech Awards</a:t>
             </a:r>
           </a:p>
         </p:txBody>
@@ -4962,8 +5689,24 @@
           <a:lstStyle/>
           <a:p>
             <a:r>
+              <a:rPr lang="en-GB" sz="2400" dirty="0" err="1"/>
+              <a:t>Dataframe</a:t>
+            </a:r>
+            <a:r>
               <a:rPr lang="en-GB" sz="2400" dirty="0"/>
-              <a:t>Pearson BTEC Level 1 / Level 2 Tech Award (Award Code: Y6)</a:t>
+              <a:t> Size: 6518 rows with 19 variables </a:t>
+            </a:r>
+          </a:p>
+          <a:p>
+            <a:r>
+              <a:rPr lang="en-GB" sz="2400" dirty="0"/>
+              <a:t>Data Type: Character, Numeric, Boolean, Time Series</a:t>
+            </a:r>
+          </a:p>
+          <a:p>
+            <a:r>
+              <a:rPr lang="en-GB" sz="2400" dirty="0"/>
+              <a:t>Records are for Pearson BTEC Level 1 / Level 2 Tech Award (Award Code: Y6)</a:t>
             </a:r>
           </a:p>
           <a:p>
@@ -4973,20 +5716,7 @@
             </a:r>
           </a:p>
           <a:p>
-            <a:r>
-              <a:rPr lang="en-GB" sz="2400" dirty="0" err="1"/>
-              <a:t>Dataframe</a:t>
-            </a:r>
-            <a:r>
-              <a:rPr lang="en-GB" sz="2400" dirty="0"/>
-              <a:t> Size: 6518 rows with 19 variables </a:t>
-            </a:r>
-          </a:p>
-          <a:p>
-            <a:r>
-              <a:rPr lang="en-GB" sz="2400" dirty="0"/>
-              <a:t>Data Type: Character, Numeric, Boolean, Time Series</a:t>
-            </a:r>
+            <a:endParaRPr lang="en-GB" sz="2400" dirty="0"/>
           </a:p>
           <a:p>
             <a:endParaRPr lang="en-GB" dirty="0"/>
@@ -5014,7 +5744,7 @@
           <p:nvPr/>
         </p:nvPicPr>
         <p:blipFill>
-          <a:blip r:embed="rId2"/>
+          <a:blip r:embed="rId3"/>
           <a:stretch>
             <a:fillRect/>
           </a:stretch>
@@ -5087,7 +5817,7 @@
           <a:p>
             <a:r>
               <a:rPr lang="en-GB" dirty="0"/>
-              <a:t>01: Dataset: BTEC Tech Awards (June 2020)</a:t>
+              <a:t>01: Dataset: BTEC Tech Awards</a:t>
             </a:r>
           </a:p>
         </p:txBody>
@@ -5385,8 +6115,8 @@
         </p:nvSpPr>
         <p:spPr>
           <a:xfrm>
-            <a:off x="7083705" y="1825625"/>
-            <a:ext cx="4270093" cy="4351338"/>
+            <a:off x="838199" y="1690687"/>
+            <a:ext cx="4270093" cy="4802187"/>
           </a:xfrm>
         </p:spPr>
         <p:txBody>
@@ -5400,13 +6130,7 @@
             </a:pPr>
             <a:r>
               <a:rPr lang="en-GB" sz="2400" dirty="0"/>
-              <a:t>Note:</a:t>
-            </a:r>
-          </a:p>
-          <a:p>
-            <a:r>
-              <a:rPr lang="en-GB" sz="2400" dirty="0"/>
-              <a:t>Removed any missing Grades</a:t>
+              <a:t>Assumptions:</a:t>
             </a:r>
           </a:p>
           <a:p>
@@ -5446,7 +6170,10 @@
             </a:r>
           </a:p>
           <a:p>
-            <a:endParaRPr lang="en-GB" sz="2400" dirty="0"/>
+            <a:r>
+              <a:rPr lang="en-GB" sz="2400" dirty="0"/>
+              <a:t>Removed 1290 records with missing Grades</a:t>
+            </a:r>
           </a:p>
         </p:txBody>
       </p:sp>
@@ -5465,14 +6192,14 @@
           <p:nvPr/>
         </p:nvPicPr>
         <p:blipFill>
-          <a:blip r:embed="rId2"/>
+          <a:blip r:embed="rId3"/>
           <a:stretch>
             <a:fillRect/>
           </a:stretch>
         </p:blipFill>
         <p:spPr>
           <a:xfrm>
-            <a:off x="838200" y="1690688"/>
+            <a:off x="6638267" y="1663026"/>
             <a:ext cx="4715533" cy="4829849"/>
           </a:xfrm>
           <a:prstGeom prst="rect">
@@ -5480,110 +6207,6 @@
           </a:prstGeom>
         </p:spPr>
       </p:pic>
-      <p:sp>
-        <p:nvSpPr>
-          <p:cNvPr id="7" name="Rectangle 6">
-            <a:extLst>
-              <a:ext uri="{FF2B5EF4-FFF2-40B4-BE49-F238E27FC236}">
-                <a16:creationId xmlns:a16="http://schemas.microsoft.com/office/drawing/2014/main" id="{34BBB558-C399-070B-4E3F-EC762A7ECE0E}"/>
-              </a:ext>
-            </a:extLst>
-          </p:cNvPr>
-          <p:cNvSpPr/>
-          <p:nvPr/>
-        </p:nvSpPr>
-        <p:spPr>
-          <a:xfrm>
-            <a:off x="838200" y="2882096"/>
-            <a:ext cx="4715533" cy="393539"/>
-          </a:xfrm>
-          <a:prstGeom prst="rect">
-            <a:avLst/>
-          </a:prstGeom>
-          <a:noFill/>
-          <a:ln w="38100">
-            <a:solidFill>
-              <a:srgbClr val="00B050"/>
-            </a:solidFill>
-          </a:ln>
-        </p:spPr>
-        <p:style>
-          <a:lnRef idx="2">
-            <a:schemeClr val="accent1">
-              <a:shade val="50000"/>
-            </a:schemeClr>
-          </a:lnRef>
-          <a:fillRef idx="1">
-            <a:schemeClr val="accent1"/>
-          </a:fillRef>
-          <a:effectRef idx="0">
-            <a:schemeClr val="accent1"/>
-          </a:effectRef>
-          <a:fontRef idx="minor">
-            <a:schemeClr val="lt1"/>
-          </a:fontRef>
-        </p:style>
-        <p:txBody>
-          <a:bodyPr rtlCol="0" anchor="ctr"/>
-          <a:lstStyle/>
-          <a:p>
-            <a:pPr algn="ctr"/>
-            <a:endParaRPr lang="en-GB"/>
-          </a:p>
-        </p:txBody>
-      </p:sp>
-      <p:sp>
-        <p:nvSpPr>
-          <p:cNvPr id="8" name="Rectangle 7">
-            <a:extLst>
-              <a:ext uri="{FF2B5EF4-FFF2-40B4-BE49-F238E27FC236}">
-                <a16:creationId xmlns:a16="http://schemas.microsoft.com/office/drawing/2014/main" id="{2F22155D-29CD-E41A-8D80-87663D5D1D7A}"/>
-              </a:ext>
-            </a:extLst>
-          </p:cNvPr>
-          <p:cNvSpPr/>
-          <p:nvPr/>
-        </p:nvSpPr>
-        <p:spPr>
-          <a:xfrm>
-            <a:off x="838199" y="4073504"/>
-            <a:ext cx="4715533" cy="393539"/>
-          </a:xfrm>
-          <a:prstGeom prst="rect">
-            <a:avLst/>
-          </a:prstGeom>
-          <a:noFill/>
-          <a:ln w="38100">
-            <a:solidFill>
-              <a:srgbClr val="FF0000"/>
-            </a:solidFill>
-          </a:ln>
-        </p:spPr>
-        <p:style>
-          <a:lnRef idx="2">
-            <a:schemeClr val="accent1">
-              <a:shade val="50000"/>
-            </a:schemeClr>
-          </a:lnRef>
-          <a:fillRef idx="1">
-            <a:schemeClr val="accent1"/>
-          </a:fillRef>
-          <a:effectRef idx="0">
-            <a:schemeClr val="accent1"/>
-          </a:effectRef>
-          <a:fontRef idx="minor">
-            <a:schemeClr val="lt1"/>
-          </a:fontRef>
-        </p:style>
-        <p:txBody>
-          <a:bodyPr rtlCol="0" anchor="ctr"/>
-          <a:lstStyle/>
-          <a:p>
-            <a:pPr algn="ctr"/>
-            <a:endParaRPr lang="en-GB"/>
-          </a:p>
-        </p:txBody>
-      </p:sp>
     </p:spTree>
     <p:extLst>
       <p:ext uri="{BB962C8B-B14F-4D97-AF65-F5344CB8AC3E}">
